--- a/Python Урок 7 Лямбда.pptx
+++ b/Python Урок 7 Лямбда.pptx
@@ -6,6 +6,11 @@
   </p:sldMasterIdLst>
   <p:sldIdLst>
     <p:sldId id="256" r:id="rId2"/>
+    <p:sldId id="257" r:id="rId3"/>
+    <p:sldId id="258" r:id="rId4"/>
+    <p:sldId id="259" r:id="rId5"/>
+    <p:sldId id="260" r:id="rId6"/>
+    <p:sldId id="261" r:id="rId7"/>
   </p:sldIdLst>
   <p:sldSz cx="12192000" cy="6858000"/>
   <p:notesSz cx="6858000" cy="9144000"/>
@@ -104,6 +109,11 @@
       </a:defRPr>
     </a:lvl9pPr>
   </p:defaultTextStyle>
+  <p:extLst>
+    <p:ext uri="{EFAFB233-063F-42B5-8137-9DF3F51BA10A}">
+      <p15:sldGuideLst xmlns:p15="http://schemas.microsoft.com/office/powerpoint/2012/main"/>
+    </p:ext>
+  </p:extLst>
 </p:presentation>
 </file>
 
@@ -256,7 +266,7 @@
           <a:p>
             <a:fld id="{B07BFB20-A1CF-4141-8358-F91D2DDBDBC2}" type="datetimeFigureOut">
               <a:rPr lang="uk-UA" smtClean="0"/>
-              <a:t>21.08.2024</a:t>
+              <a:t>08.09.2024</a:t>
             </a:fld>
             <a:endParaRPr lang="uk-UA"/>
           </a:p>
@@ -456,7 +466,7 @@
           <a:p>
             <a:fld id="{B07BFB20-A1CF-4141-8358-F91D2DDBDBC2}" type="datetimeFigureOut">
               <a:rPr lang="uk-UA" smtClean="0"/>
-              <a:t>21.08.2024</a:t>
+              <a:t>08.09.2024</a:t>
             </a:fld>
             <a:endParaRPr lang="uk-UA"/>
           </a:p>
@@ -666,7 +676,7 @@
           <a:p>
             <a:fld id="{B07BFB20-A1CF-4141-8358-F91D2DDBDBC2}" type="datetimeFigureOut">
               <a:rPr lang="uk-UA" smtClean="0"/>
-              <a:t>21.08.2024</a:t>
+              <a:t>08.09.2024</a:t>
             </a:fld>
             <a:endParaRPr lang="uk-UA"/>
           </a:p>
@@ -866,7 +876,7 @@
           <a:p>
             <a:fld id="{B07BFB20-A1CF-4141-8358-F91D2DDBDBC2}" type="datetimeFigureOut">
               <a:rPr lang="uk-UA" smtClean="0"/>
-              <a:t>21.08.2024</a:t>
+              <a:t>08.09.2024</a:t>
             </a:fld>
             <a:endParaRPr lang="uk-UA"/>
           </a:p>
@@ -1142,7 +1152,7 @@
           <a:p>
             <a:fld id="{B07BFB20-A1CF-4141-8358-F91D2DDBDBC2}" type="datetimeFigureOut">
               <a:rPr lang="uk-UA" smtClean="0"/>
-              <a:t>21.08.2024</a:t>
+              <a:t>08.09.2024</a:t>
             </a:fld>
             <a:endParaRPr lang="uk-UA"/>
           </a:p>
@@ -1410,7 +1420,7 @@
           <a:p>
             <a:fld id="{B07BFB20-A1CF-4141-8358-F91D2DDBDBC2}" type="datetimeFigureOut">
               <a:rPr lang="uk-UA" smtClean="0"/>
-              <a:t>21.08.2024</a:t>
+              <a:t>08.09.2024</a:t>
             </a:fld>
             <a:endParaRPr lang="uk-UA"/>
           </a:p>
@@ -1825,7 +1835,7 @@
           <a:p>
             <a:fld id="{B07BFB20-A1CF-4141-8358-F91D2DDBDBC2}" type="datetimeFigureOut">
               <a:rPr lang="uk-UA" smtClean="0"/>
-              <a:t>21.08.2024</a:t>
+              <a:t>08.09.2024</a:t>
             </a:fld>
             <a:endParaRPr lang="uk-UA"/>
           </a:p>
@@ -1967,7 +1977,7 @@
           <a:p>
             <a:fld id="{B07BFB20-A1CF-4141-8358-F91D2DDBDBC2}" type="datetimeFigureOut">
               <a:rPr lang="uk-UA" smtClean="0"/>
-              <a:t>21.08.2024</a:t>
+              <a:t>08.09.2024</a:t>
             </a:fld>
             <a:endParaRPr lang="uk-UA"/>
           </a:p>
@@ -2080,7 +2090,7 @@
           <a:p>
             <a:fld id="{B07BFB20-A1CF-4141-8358-F91D2DDBDBC2}" type="datetimeFigureOut">
               <a:rPr lang="uk-UA" smtClean="0"/>
-              <a:t>21.08.2024</a:t>
+              <a:t>08.09.2024</a:t>
             </a:fld>
             <a:endParaRPr lang="uk-UA"/>
           </a:p>
@@ -2393,7 +2403,7 @@
           <a:p>
             <a:fld id="{B07BFB20-A1CF-4141-8358-F91D2DDBDBC2}" type="datetimeFigureOut">
               <a:rPr lang="uk-UA" smtClean="0"/>
-              <a:t>21.08.2024</a:t>
+              <a:t>08.09.2024</a:t>
             </a:fld>
             <a:endParaRPr lang="uk-UA"/>
           </a:p>
@@ -2682,7 +2692,7 @@
           <a:p>
             <a:fld id="{B07BFB20-A1CF-4141-8358-F91D2DDBDBC2}" type="datetimeFigureOut">
               <a:rPr lang="uk-UA" smtClean="0"/>
-              <a:t>21.08.2024</a:t>
+              <a:t>08.09.2024</a:t>
             </a:fld>
             <a:endParaRPr lang="uk-UA"/>
           </a:p>
@@ -2925,7 +2935,7 @@
           <a:p>
             <a:fld id="{B07BFB20-A1CF-4141-8358-F91D2DDBDBC2}" type="datetimeFigureOut">
               <a:rPr lang="uk-UA" smtClean="0"/>
-              <a:t>21.08.2024</a:t>
+              <a:t>08.09.2024</a:t>
             </a:fld>
             <a:endParaRPr lang="uk-UA"/>
           </a:p>
@@ -3784,7 +3794,7 @@
 </a:t>
             </a:r>
             <a:r>
-              <a:rPr lang="uk-UA" sz="6600">
+              <a:rPr lang="uk-UA" sz="6600" dirty="0">
                 <a:solidFill>
                   <a:srgbClr val="000000"/>
                 </a:solidFill>
@@ -3818,6 +3828,5082 @@
         </p:txBody>
       </p:sp>
     </p:spTree>
+  </p:cSld>
+  <p:clrMapOvr>
+    <a:masterClrMapping/>
+  </p:clrMapOvr>
+</p:sld>
+</file>
+
+<file path=ppt/slides/slide2.xml><?xml version="1.0" encoding="utf-8"?>
+<p:sld xmlns:a="http://schemas.openxmlformats.org/drawingml/2006/main" xmlns:r="http://schemas.openxmlformats.org/officeDocument/2006/relationships" xmlns:p="http://schemas.openxmlformats.org/presentationml/2006/main">
+  <p:cSld>
+    <p:spTree>
+      <p:nvGrpSpPr>
+        <p:cNvPr id="1" name=""/>
+        <p:cNvGrpSpPr/>
+        <p:nvPr/>
+      </p:nvGrpSpPr>
+      <p:grpSpPr>
+        <a:xfrm>
+          <a:off x="0" y="0"/>
+          <a:ext cx="0" cy="0"/>
+          <a:chOff x="0" y="0"/>
+          <a:chExt cx="0" cy="0"/>
+        </a:xfrm>
+      </p:grpSpPr>
+      <p:sp>
+        <p:nvSpPr>
+          <p:cNvPr id="3" name="TextBox 2">
+            <a:extLst>
+              <a:ext uri="{FF2B5EF4-FFF2-40B4-BE49-F238E27FC236}">
+                <a16:creationId xmlns:a16="http://schemas.microsoft.com/office/drawing/2014/main" id="{19C6AA13-C4FE-2F67-878E-129A78CC9A4A}"/>
+              </a:ext>
+            </a:extLst>
+          </p:cNvPr>
+          <p:cNvSpPr txBox="1"/>
+          <p:nvPr/>
+        </p:nvSpPr>
+        <p:spPr>
+          <a:xfrm>
+            <a:off x="-68826" y="236425"/>
+            <a:ext cx="12260826" cy="646331"/>
+          </a:xfrm>
+          <a:prstGeom prst="rect">
+            <a:avLst/>
+          </a:prstGeom>
+          <a:noFill/>
+        </p:spPr>
+        <p:txBody>
+          <a:bodyPr wrap="square">
+            <a:spAutoFit/>
+          </a:bodyPr>
+          <a:lstStyle/>
+          <a:p>
+            <a:pPr algn="ctr"/>
+            <a:r>
+              <a:rPr lang="uk-UA" sz="3600" b="1" i="0" dirty="0">
+                <a:solidFill>
+                  <a:srgbClr val="000000"/>
+                </a:solidFill>
+                <a:effectLst/>
+                <a:highlight>
+                  <a:srgbClr val="FFFFFF"/>
+                </a:highlight>
+                <a:latin typeface="Segoe UI" panose="020B0502040204020203" pitchFamily="34" charset="0"/>
+              </a:rPr>
+              <a:t>Лямбда (анонімні функції) в </a:t>
+            </a:r>
+            <a:r>
+              <a:rPr lang="en-US" sz="3600" b="1" i="0" dirty="0">
+                <a:solidFill>
+                  <a:srgbClr val="000000"/>
+                </a:solidFill>
+                <a:effectLst/>
+                <a:highlight>
+                  <a:srgbClr val="FFFFFF"/>
+                </a:highlight>
+                <a:latin typeface="Segoe UI" panose="020B0502040204020203" pitchFamily="34" charset="0"/>
+              </a:rPr>
+              <a:t>Python</a:t>
+            </a:r>
+          </a:p>
+        </p:txBody>
+      </p:sp>
+      <p:sp>
+        <p:nvSpPr>
+          <p:cNvPr id="5" name="TextBox 4">
+            <a:extLst>
+              <a:ext uri="{FF2B5EF4-FFF2-40B4-BE49-F238E27FC236}">
+                <a16:creationId xmlns:a16="http://schemas.microsoft.com/office/drawing/2014/main" id="{6AC58680-1A00-6949-58DF-CDC5A40C945D}"/>
+              </a:ext>
+            </a:extLst>
+          </p:cNvPr>
+          <p:cNvSpPr txBox="1"/>
+          <p:nvPr/>
+        </p:nvSpPr>
+        <p:spPr>
+          <a:xfrm>
+            <a:off x="213852" y="921689"/>
+            <a:ext cx="11840496" cy="646331"/>
+          </a:xfrm>
+          <a:prstGeom prst="rect">
+            <a:avLst/>
+          </a:prstGeom>
+          <a:noFill/>
+        </p:spPr>
+        <p:txBody>
+          <a:bodyPr wrap="square">
+            <a:spAutoFit/>
+          </a:bodyPr>
+          <a:lstStyle/>
+          <a:p>
+            <a:pPr algn="l"/>
+            <a:r>
+              <a:rPr lang="uk-UA" b="0" i="0" dirty="0">
+                <a:solidFill>
+                  <a:srgbClr val="000000"/>
+                </a:solidFill>
+                <a:effectLst/>
+                <a:highlight>
+                  <a:srgbClr val="FFFFFF"/>
+                </a:highlight>
+                <a:latin typeface="Open Sans" panose="020B0606030504020204" pitchFamily="34" charset="0"/>
+              </a:rPr>
+              <a:t>В </a:t>
+            </a:r>
+            <a:r>
+              <a:rPr lang="en-US" b="0" i="0" dirty="0">
+                <a:solidFill>
+                  <a:srgbClr val="000000"/>
+                </a:solidFill>
+                <a:effectLst/>
+                <a:highlight>
+                  <a:srgbClr val="FFFFFF"/>
+                </a:highlight>
+                <a:latin typeface="Open Sans" panose="020B0606030504020204" pitchFamily="34" charset="0"/>
+              </a:rPr>
+              <a:t>Python </a:t>
+            </a:r>
+            <a:r>
+              <a:rPr lang="uk-UA" b="1" i="0" dirty="0">
+                <a:solidFill>
+                  <a:srgbClr val="000000"/>
+                </a:solidFill>
+                <a:effectLst/>
+                <a:highlight>
+                  <a:srgbClr val="FFFFFF"/>
+                </a:highlight>
+                <a:latin typeface="Open Sans" panose="020B0606030504020204" pitchFamily="34" charset="0"/>
+              </a:rPr>
+              <a:t>лямбда-функція </a:t>
+            </a:r>
+            <a:r>
+              <a:rPr lang="uk-UA" b="0" i="0" dirty="0">
+                <a:solidFill>
+                  <a:srgbClr val="000000"/>
+                </a:solidFill>
+                <a:effectLst/>
+                <a:highlight>
+                  <a:srgbClr val="FFFFFF"/>
+                </a:highlight>
+                <a:latin typeface="Open Sans" panose="020B0606030504020204" pitchFamily="34" charset="0"/>
+              </a:rPr>
+              <a:t>(або </a:t>
+            </a:r>
+            <a:r>
+              <a:rPr lang="uk-UA" b="1" i="1" dirty="0">
+                <a:solidFill>
+                  <a:srgbClr val="000000"/>
+                </a:solidFill>
+                <a:effectLst/>
+                <a:highlight>
+                  <a:srgbClr val="FFFFFF"/>
+                </a:highlight>
+                <a:latin typeface="Open Sans" panose="020B0606030504020204" pitchFamily="34" charset="0"/>
+              </a:rPr>
+              <a:t>“анонімна функція”</a:t>
+            </a:r>
+            <a:r>
+              <a:rPr lang="uk-UA" b="0" i="0" dirty="0">
+                <a:solidFill>
+                  <a:srgbClr val="000000"/>
+                </a:solidFill>
+                <a:effectLst/>
+                <a:highlight>
+                  <a:srgbClr val="FFFFFF"/>
+                </a:highlight>
+                <a:latin typeface="Open Sans" panose="020B0606030504020204" pitchFamily="34" charset="0"/>
+              </a:rPr>
+              <a:t>) — це спеціальний тип </a:t>
+            </a:r>
+            <a:r>
+              <a:rPr lang="uk-UA" b="1" i="0" u="none" strike="noStrike" dirty="0">
+                <a:solidFill>
+                  <a:srgbClr val="1ABC9C"/>
+                </a:solidFill>
+                <a:effectLst/>
+                <a:highlight>
+                  <a:srgbClr val="FFFFFF"/>
+                </a:highlight>
+                <a:latin typeface="Open Sans" panose="020B0606030504020204" pitchFamily="34" charset="0"/>
+              </a:rPr>
+              <a:t>функції</a:t>
+            </a:r>
+            <a:r>
+              <a:rPr lang="uk-UA" b="0" i="0" dirty="0">
+                <a:solidFill>
+                  <a:srgbClr val="000000"/>
+                </a:solidFill>
+                <a:effectLst/>
+                <a:highlight>
+                  <a:srgbClr val="FFFFFF"/>
+                </a:highlight>
+                <a:latin typeface="Open Sans" panose="020B0606030504020204" pitchFamily="34" charset="0"/>
+              </a:rPr>
+              <a:t> без імені. Наприклад:</a:t>
+            </a:r>
+          </a:p>
+        </p:txBody>
+      </p:sp>
+      <p:graphicFrame>
+        <p:nvGraphicFramePr>
+          <p:cNvPr id="6" name="Таблица 5">
+            <a:extLst>
+              <a:ext uri="{FF2B5EF4-FFF2-40B4-BE49-F238E27FC236}">
+                <a16:creationId xmlns:a16="http://schemas.microsoft.com/office/drawing/2014/main" id="{D7266B9B-8101-8026-1C52-98A30F2403DD}"/>
+              </a:ext>
+            </a:extLst>
+          </p:cNvPr>
+          <p:cNvGraphicFramePr>
+            <a:graphicFrameLocks noGrp="1"/>
+          </p:cNvGraphicFramePr>
+          <p:nvPr>
+            <p:extLst>
+              <p:ext uri="{D42A27DB-BD31-4B8C-83A1-F6EECF244321}">
+                <p14:modId xmlns:p14="http://schemas.microsoft.com/office/powerpoint/2010/main" val="1754421594"/>
+              </p:ext>
+            </p:extLst>
+          </p:nvPr>
+        </p:nvGraphicFramePr>
+        <p:xfrm>
+          <a:off x="213852" y="1763472"/>
+          <a:ext cx="7895283" cy="365760"/>
+        </p:xfrm>
+        <a:graphic>
+          <a:graphicData uri="http://schemas.openxmlformats.org/drawingml/2006/table">
+            <a:tbl>
+              <a:tblPr/>
+              <a:tblGrid>
+                <a:gridCol w="279946">
+                  <a:extLst>
+                    <a:ext uri="{9D8B030D-6E8A-4147-A177-3AD203B41FA5}">
+                      <a16:colId xmlns:a16="http://schemas.microsoft.com/office/drawing/2014/main" val="1346897659"/>
+                    </a:ext>
+                  </a:extLst>
+                </a:gridCol>
+                <a:gridCol w="7615337">
+                  <a:extLst>
+                    <a:ext uri="{9D8B030D-6E8A-4147-A177-3AD203B41FA5}">
+                      <a16:colId xmlns:a16="http://schemas.microsoft.com/office/drawing/2014/main" val="226299098"/>
+                    </a:ext>
+                  </a:extLst>
+                </a:gridCol>
+              </a:tblGrid>
+              <a:tr h="0">
+                <a:tc>
+                  <a:txBody>
+                    <a:bodyPr/>
+                    <a:lstStyle/>
+                    <a:p>
+                      <a:pPr algn="ctr" fontAlgn="t"/>
+                      <a:r>
+                        <a:rPr lang="uk-UA">
+                          <a:solidFill>
+                            <a:srgbClr val="C2C2C2"/>
+                          </a:solidFill>
+                          <a:effectLst/>
+                          <a:highlight>
+                            <a:srgbClr val="303030"/>
+                          </a:highlight>
+                          <a:latin typeface="inherit"/>
+                        </a:rPr>
+                        <a:t>1</a:t>
+                      </a:r>
+                    </a:p>
+                  </a:txBody>
+                  <a:tcPr>
+                    <a:lnL>
+                      <a:noFill/>
+                    </a:lnL>
+                    <a:lnR w="7620" cap="flat" cmpd="sng" algn="ctr">
+                      <a:solidFill>
+                        <a:srgbClr val="8C8D8F"/>
+                      </a:solidFill>
+                      <a:prstDash val="solid"/>
+                      <a:round/>
+                      <a:headEnd type="none" w="med" len="med"/>
+                      <a:tailEnd type="none" w="med" len="med"/>
+                    </a:lnR>
+                    <a:lnT>
+                      <a:noFill/>
+                    </a:lnT>
+                    <a:lnB>
+                      <a:noFill/>
+                    </a:lnB>
+                    <a:solidFill>
+                      <a:srgbClr val="303030"/>
+                    </a:solidFill>
+                  </a:tcPr>
+                </a:tc>
+                <a:tc>
+                  <a:txBody>
+                    <a:bodyPr/>
+                    <a:lstStyle/>
+                    <a:p>
+                      <a:pPr algn="l" fontAlgn="t"/>
+                      <a:r>
+                        <a:rPr lang="en-US" dirty="0">
+                          <a:solidFill>
+                            <a:srgbClr val="F4BB15"/>
+                          </a:solidFill>
+                          <a:effectLst/>
+                          <a:latin typeface="inherit"/>
+                        </a:rPr>
+                        <a:t>lambda</a:t>
+                      </a:r>
+                      <a:r>
+                        <a:rPr lang="en-US" dirty="0">
+                          <a:solidFill>
+                            <a:srgbClr val="006FE0"/>
+                          </a:solidFill>
+                          <a:effectLst/>
+                          <a:latin typeface="inherit"/>
+                        </a:rPr>
+                        <a:t> </a:t>
+                      </a:r>
+                      <a:r>
+                        <a:rPr lang="en-US" dirty="0">
+                          <a:solidFill>
+                            <a:srgbClr val="DADADA"/>
+                          </a:solidFill>
+                          <a:effectLst/>
+                          <a:latin typeface="inherit"/>
+                        </a:rPr>
+                        <a:t>:</a:t>
+                      </a:r>
+                      <a:r>
+                        <a:rPr lang="en-US" dirty="0">
+                          <a:solidFill>
+                            <a:srgbClr val="006FE0"/>
+                          </a:solidFill>
+                          <a:effectLst/>
+                          <a:latin typeface="inherit"/>
+                        </a:rPr>
+                        <a:t> </a:t>
+                      </a:r>
+                      <a:r>
+                        <a:rPr lang="en-US" dirty="0">
+                          <a:solidFill>
+                            <a:srgbClr val="569CD6"/>
+                          </a:solidFill>
+                          <a:effectLst/>
+                          <a:latin typeface="inherit"/>
+                        </a:rPr>
+                        <a:t>print</a:t>
+                      </a:r>
+                      <a:r>
+                        <a:rPr lang="en-US" dirty="0">
+                          <a:solidFill>
+                            <a:srgbClr val="D8D8D8"/>
+                          </a:solidFill>
+                          <a:effectLst/>
+                          <a:latin typeface="inherit"/>
+                        </a:rPr>
+                        <a:t>(</a:t>
+                      </a:r>
+                      <a:r>
+                        <a:rPr lang="en-US" dirty="0">
+                          <a:solidFill>
+                            <a:srgbClr val="D69D85"/>
+                          </a:solidFill>
+                          <a:effectLst/>
+                          <a:latin typeface="inherit"/>
+                        </a:rPr>
+                        <a:t>'Hello, World!'</a:t>
+                      </a:r>
+                      <a:r>
+                        <a:rPr lang="en-US" dirty="0">
+                          <a:solidFill>
+                            <a:srgbClr val="D8D8D8"/>
+                          </a:solidFill>
+                          <a:effectLst/>
+                          <a:latin typeface="inherit"/>
+                        </a:rPr>
+                        <a:t>)</a:t>
+                      </a:r>
+                      <a:endParaRPr lang="en-US" dirty="0">
+                        <a:solidFill>
+                          <a:srgbClr val="FFFFFF"/>
+                        </a:solidFill>
+                        <a:effectLst/>
+                        <a:latin typeface="inherit"/>
+                      </a:endParaRPr>
+                    </a:p>
+                  </a:txBody>
+                  <a:tcPr>
+                    <a:lnL w="7620" cap="flat" cmpd="sng" algn="ctr">
+                      <a:solidFill>
+                        <a:srgbClr val="8C8D8F"/>
+                      </a:solidFill>
+                      <a:prstDash val="solid"/>
+                      <a:round/>
+                      <a:headEnd type="none" w="med" len="med"/>
+                      <a:tailEnd type="none" w="med" len="med"/>
+                    </a:lnL>
+                    <a:lnR>
+                      <a:noFill/>
+                    </a:lnR>
+                    <a:lnT>
+                      <a:noFill/>
+                    </a:lnT>
+                    <a:lnB>
+                      <a:noFill/>
+                    </a:lnB>
+                    <a:solidFill>
+                      <a:srgbClr val="323232"/>
+                    </a:solidFill>
+                  </a:tcPr>
+                </a:tc>
+                <a:extLst>
+                  <a:ext uri="{0D108BD9-81ED-4DB2-BD59-A6C34878D82A}">
+                    <a16:rowId xmlns:a16="http://schemas.microsoft.com/office/drawing/2014/main" val="2070728864"/>
+                  </a:ext>
+                </a:extLst>
+              </a:tr>
+            </a:tbl>
+          </a:graphicData>
+        </a:graphic>
+      </p:graphicFrame>
+      <p:sp>
+        <p:nvSpPr>
+          <p:cNvPr id="8" name="TextBox 7">
+            <a:extLst>
+              <a:ext uri="{FF2B5EF4-FFF2-40B4-BE49-F238E27FC236}">
+                <a16:creationId xmlns:a16="http://schemas.microsoft.com/office/drawing/2014/main" id="{0C125D38-9A4D-FE8A-9ADD-9B0CA4E66674}"/>
+              </a:ext>
+            </a:extLst>
+          </p:cNvPr>
+          <p:cNvSpPr txBox="1"/>
+          <p:nvPr/>
+        </p:nvSpPr>
+        <p:spPr>
+          <a:xfrm>
+            <a:off x="213851" y="2319123"/>
+            <a:ext cx="9254613" cy="369332"/>
+          </a:xfrm>
+          <a:prstGeom prst="rect">
+            <a:avLst/>
+          </a:prstGeom>
+          <a:noFill/>
+        </p:spPr>
+        <p:txBody>
+          <a:bodyPr wrap="square">
+            <a:spAutoFit/>
+          </a:bodyPr>
+          <a:lstStyle/>
+          <a:p>
+            <a:r>
+              <a:rPr lang="uk-UA" dirty="0"/>
+              <a:t>Тут ми створили лямбда-функцію, яка виводить текст </a:t>
+            </a:r>
+            <a:r>
+              <a:rPr lang="uk-UA" dirty="0" err="1"/>
+              <a:t>Hello</a:t>
+            </a:r>
+            <a:r>
+              <a:rPr lang="uk-UA" dirty="0"/>
+              <a:t>, </a:t>
+            </a:r>
+            <a:r>
+              <a:rPr lang="uk-UA" dirty="0" err="1"/>
+              <a:t>World</a:t>
+            </a:r>
+            <a:r>
+              <a:rPr lang="uk-UA" dirty="0"/>
+              <a:t>!</a:t>
+            </a:r>
+          </a:p>
+        </p:txBody>
+      </p:sp>
+      <p:sp>
+        <p:nvSpPr>
+          <p:cNvPr id="10" name="TextBox 9">
+            <a:extLst>
+              <a:ext uri="{FF2B5EF4-FFF2-40B4-BE49-F238E27FC236}">
+                <a16:creationId xmlns:a16="http://schemas.microsoft.com/office/drawing/2014/main" id="{AA0E3A5D-701A-E413-7BB3-29941A88600F}"/>
+              </a:ext>
+            </a:extLst>
+          </p:cNvPr>
+          <p:cNvSpPr txBox="1"/>
+          <p:nvPr/>
+        </p:nvSpPr>
+        <p:spPr>
+          <a:xfrm>
+            <a:off x="3688" y="2985174"/>
+            <a:ext cx="12188312" cy="646331"/>
+          </a:xfrm>
+          <a:prstGeom prst="rect">
+            <a:avLst/>
+          </a:prstGeom>
+          <a:noFill/>
+        </p:spPr>
+        <p:txBody>
+          <a:bodyPr wrap="square">
+            <a:spAutoFit/>
+          </a:bodyPr>
+          <a:lstStyle/>
+          <a:p>
+            <a:pPr algn="ctr"/>
+            <a:r>
+              <a:rPr lang="uk-UA" sz="3600" b="1" i="0" dirty="0">
+                <a:solidFill>
+                  <a:srgbClr val="000000"/>
+                </a:solidFill>
+                <a:effectLst/>
+                <a:highlight>
+                  <a:srgbClr val="FFFFFF"/>
+                </a:highlight>
+                <a:latin typeface="Segoe UI" panose="020B0502040204020203" pitchFamily="34" charset="0"/>
+              </a:rPr>
+              <a:t>Оголошення лямбда-функції в </a:t>
+            </a:r>
+            <a:r>
+              <a:rPr lang="en-US" sz="3600" b="1" i="0" dirty="0">
+                <a:solidFill>
+                  <a:srgbClr val="000000"/>
+                </a:solidFill>
+                <a:effectLst/>
+                <a:highlight>
+                  <a:srgbClr val="FFFFFF"/>
+                </a:highlight>
+                <a:latin typeface="Segoe UI" panose="020B0502040204020203" pitchFamily="34" charset="0"/>
+              </a:rPr>
+              <a:t>Python</a:t>
+            </a:r>
+          </a:p>
+        </p:txBody>
+      </p:sp>
+      <p:sp>
+        <p:nvSpPr>
+          <p:cNvPr id="7" name="TextBox 6">
+            <a:extLst>
+              <a:ext uri="{FF2B5EF4-FFF2-40B4-BE49-F238E27FC236}">
+                <a16:creationId xmlns:a16="http://schemas.microsoft.com/office/drawing/2014/main" id="{23EFA471-63C7-FE78-995D-03D1095338A4}"/>
+              </a:ext>
+            </a:extLst>
+          </p:cNvPr>
+          <p:cNvSpPr txBox="1"/>
+          <p:nvPr/>
+        </p:nvSpPr>
+        <p:spPr>
+          <a:xfrm>
+            <a:off x="213850" y="3631505"/>
+            <a:ext cx="11604523" cy="646331"/>
+          </a:xfrm>
+          <a:prstGeom prst="rect">
+            <a:avLst/>
+          </a:prstGeom>
+          <a:noFill/>
+        </p:spPr>
+        <p:txBody>
+          <a:bodyPr wrap="square">
+            <a:spAutoFit/>
+          </a:bodyPr>
+          <a:lstStyle/>
+          <a:p>
+            <a:r>
+              <a:rPr lang="uk-UA" dirty="0"/>
+              <a:t>Ключове слово </a:t>
+            </a:r>
+            <a:r>
+              <a:rPr lang="uk-UA" dirty="0" err="1"/>
+              <a:t>lambda</a:t>
+            </a:r>
+            <a:r>
+              <a:rPr lang="uk-UA" dirty="0"/>
+              <a:t> (замість </a:t>
+            </a:r>
+            <a:r>
+              <a:rPr lang="uk-UA" dirty="0" err="1"/>
+              <a:t>def</a:t>
+            </a:r>
+            <a:r>
+              <a:rPr lang="uk-UA" dirty="0"/>
+              <a:t>) використовується для створення лямбда-функції. Синтаксис оголошення лямбда-функції:</a:t>
+            </a:r>
+          </a:p>
+        </p:txBody>
+      </p:sp>
+      <p:graphicFrame>
+        <p:nvGraphicFramePr>
+          <p:cNvPr id="9" name="Таблица 8">
+            <a:extLst>
+              <a:ext uri="{FF2B5EF4-FFF2-40B4-BE49-F238E27FC236}">
+                <a16:creationId xmlns:a16="http://schemas.microsoft.com/office/drawing/2014/main" id="{0B5B323D-676C-C68C-705E-4E2471DEF6D0}"/>
+              </a:ext>
+            </a:extLst>
+          </p:cNvPr>
+          <p:cNvGraphicFramePr>
+            <a:graphicFrameLocks noGrp="1"/>
+          </p:cNvGraphicFramePr>
+          <p:nvPr>
+            <p:extLst>
+              <p:ext uri="{D42A27DB-BD31-4B8C-83A1-F6EECF244321}">
+                <p14:modId xmlns:p14="http://schemas.microsoft.com/office/powerpoint/2010/main" val="871912799"/>
+              </p:ext>
+            </p:extLst>
+          </p:nvPr>
+        </p:nvGraphicFramePr>
+        <p:xfrm>
+          <a:off x="213852" y="4304567"/>
+          <a:ext cx="7895283" cy="365760"/>
+        </p:xfrm>
+        <a:graphic>
+          <a:graphicData uri="http://schemas.openxmlformats.org/drawingml/2006/table">
+            <a:tbl>
+              <a:tblPr/>
+              <a:tblGrid>
+                <a:gridCol w="279946">
+                  <a:extLst>
+                    <a:ext uri="{9D8B030D-6E8A-4147-A177-3AD203B41FA5}">
+                      <a16:colId xmlns:a16="http://schemas.microsoft.com/office/drawing/2014/main" val="4079297919"/>
+                    </a:ext>
+                  </a:extLst>
+                </a:gridCol>
+                <a:gridCol w="7615337">
+                  <a:extLst>
+                    <a:ext uri="{9D8B030D-6E8A-4147-A177-3AD203B41FA5}">
+                      <a16:colId xmlns:a16="http://schemas.microsoft.com/office/drawing/2014/main" val="1977036207"/>
+                    </a:ext>
+                  </a:extLst>
+                </a:gridCol>
+              </a:tblGrid>
+              <a:tr h="0">
+                <a:tc>
+                  <a:txBody>
+                    <a:bodyPr/>
+                    <a:lstStyle/>
+                    <a:p>
+                      <a:pPr algn="ctr" fontAlgn="t"/>
+                      <a:r>
+                        <a:rPr lang="uk-UA">
+                          <a:solidFill>
+                            <a:srgbClr val="C2C2C2"/>
+                          </a:solidFill>
+                          <a:effectLst/>
+                          <a:latin typeface="inherit"/>
+                        </a:rPr>
+                        <a:t>1</a:t>
+                      </a:r>
+                    </a:p>
+                  </a:txBody>
+                  <a:tcPr>
+                    <a:lnL>
+                      <a:noFill/>
+                    </a:lnL>
+                    <a:lnR w="7620" cap="flat" cmpd="sng" algn="ctr">
+                      <a:solidFill>
+                        <a:srgbClr val="8C8D8F"/>
+                      </a:solidFill>
+                      <a:prstDash val="solid"/>
+                      <a:round/>
+                      <a:headEnd type="none" w="med" len="med"/>
+                      <a:tailEnd type="none" w="med" len="med"/>
+                    </a:lnR>
+                    <a:lnT>
+                      <a:noFill/>
+                    </a:lnT>
+                    <a:lnB>
+                      <a:noFill/>
+                    </a:lnB>
+                    <a:solidFill>
+                      <a:srgbClr val="303030"/>
+                    </a:solidFill>
+                  </a:tcPr>
+                </a:tc>
+                <a:tc>
+                  <a:txBody>
+                    <a:bodyPr/>
+                    <a:lstStyle/>
+                    <a:p>
+                      <a:pPr algn="l" fontAlgn="t"/>
+                      <a:r>
+                        <a:rPr lang="en-US" dirty="0">
+                          <a:solidFill>
+                            <a:srgbClr val="F4BB15"/>
+                          </a:solidFill>
+                          <a:effectLst/>
+                          <a:latin typeface="inherit"/>
+                        </a:rPr>
+                        <a:t>lambda</a:t>
+                      </a:r>
+                      <a:r>
+                        <a:rPr lang="en-US" dirty="0">
+                          <a:solidFill>
+                            <a:srgbClr val="006FE0"/>
+                          </a:solidFill>
+                          <a:effectLst/>
+                          <a:latin typeface="inherit"/>
+                        </a:rPr>
+                        <a:t> </a:t>
+                      </a:r>
+                      <a:r>
+                        <a:rPr lang="uk-UA" dirty="0">
+                          <a:solidFill>
+                            <a:srgbClr val="FFFFFF"/>
+                          </a:solidFill>
+                          <a:effectLst/>
+                          <a:latin typeface="inherit"/>
+                        </a:rPr>
+                        <a:t>аргумент</a:t>
+                      </a:r>
+                      <a:r>
+                        <a:rPr lang="uk-UA" dirty="0">
+                          <a:solidFill>
+                            <a:srgbClr val="D8D8D8"/>
+                          </a:solidFill>
+                          <a:effectLst/>
+                          <a:latin typeface="inherit"/>
+                        </a:rPr>
+                        <a:t>(</a:t>
+                      </a:r>
+                      <a:r>
+                        <a:rPr lang="uk-UA" dirty="0">
+                          <a:solidFill>
+                            <a:srgbClr val="FFFFFF"/>
+                          </a:solidFill>
+                          <a:effectLst/>
+                          <a:latin typeface="inherit"/>
+                        </a:rPr>
+                        <a:t>и</a:t>
+                      </a:r>
+                      <a:r>
+                        <a:rPr lang="uk-UA" dirty="0">
+                          <a:solidFill>
+                            <a:srgbClr val="D8D8D8"/>
+                          </a:solidFill>
+                          <a:effectLst/>
+                          <a:latin typeface="inherit"/>
+                        </a:rPr>
+                        <a:t>)</a:t>
+                      </a:r>
+                      <a:r>
+                        <a:rPr lang="uk-UA" dirty="0">
+                          <a:solidFill>
+                            <a:srgbClr val="006FE0"/>
+                          </a:solidFill>
+                          <a:effectLst/>
+                          <a:latin typeface="inherit"/>
+                        </a:rPr>
+                        <a:t> </a:t>
+                      </a:r>
+                      <a:r>
+                        <a:rPr lang="uk-UA" dirty="0">
+                          <a:solidFill>
+                            <a:srgbClr val="DADADA"/>
+                          </a:solidFill>
+                          <a:effectLst/>
+                          <a:latin typeface="inherit"/>
+                        </a:rPr>
+                        <a:t>:</a:t>
+                      </a:r>
+                      <a:r>
+                        <a:rPr lang="uk-UA" dirty="0">
+                          <a:solidFill>
+                            <a:srgbClr val="006FE0"/>
+                          </a:solidFill>
+                          <a:effectLst/>
+                          <a:latin typeface="inherit"/>
+                        </a:rPr>
+                        <a:t> </a:t>
+                      </a:r>
+                      <a:r>
+                        <a:rPr lang="uk-UA" dirty="0">
+                          <a:solidFill>
+                            <a:srgbClr val="FFFFFF"/>
+                          </a:solidFill>
+                          <a:effectLst/>
+                          <a:latin typeface="inherit"/>
+                        </a:rPr>
+                        <a:t>вираз</a:t>
+                      </a:r>
+                      <a:r>
+                        <a:rPr lang="uk-UA" dirty="0">
+                          <a:solidFill>
+                            <a:srgbClr val="006FE0"/>
+                          </a:solidFill>
+                          <a:effectLst/>
+                          <a:latin typeface="inherit"/>
+                        </a:rPr>
+                        <a:t> </a:t>
+                      </a:r>
+                      <a:endParaRPr lang="uk-UA" dirty="0">
+                        <a:solidFill>
+                          <a:srgbClr val="FFFFFF"/>
+                        </a:solidFill>
+                        <a:effectLst/>
+                        <a:latin typeface="inherit"/>
+                      </a:endParaRPr>
+                    </a:p>
+                  </a:txBody>
+                  <a:tcPr>
+                    <a:lnL w="7620" cap="flat" cmpd="sng" algn="ctr">
+                      <a:solidFill>
+                        <a:srgbClr val="8C8D8F"/>
+                      </a:solidFill>
+                      <a:prstDash val="solid"/>
+                      <a:round/>
+                      <a:headEnd type="none" w="med" len="med"/>
+                      <a:tailEnd type="none" w="med" len="med"/>
+                    </a:lnL>
+                    <a:lnR>
+                      <a:noFill/>
+                    </a:lnR>
+                    <a:lnT>
+                      <a:noFill/>
+                    </a:lnT>
+                    <a:lnB>
+                      <a:noFill/>
+                    </a:lnB>
+                    <a:solidFill>
+                      <a:srgbClr val="323232"/>
+                    </a:solidFill>
+                  </a:tcPr>
+                </a:tc>
+                <a:extLst>
+                  <a:ext uri="{0D108BD9-81ED-4DB2-BD59-A6C34878D82A}">
+                    <a16:rowId xmlns:a16="http://schemas.microsoft.com/office/drawing/2014/main" val="2673265157"/>
+                  </a:ext>
+                </a:extLst>
+              </a:tr>
+            </a:tbl>
+          </a:graphicData>
+        </a:graphic>
+      </p:graphicFrame>
+      <p:sp>
+        <p:nvSpPr>
+          <p:cNvPr id="13" name="TextBox 12">
+            <a:extLst>
+              <a:ext uri="{FF2B5EF4-FFF2-40B4-BE49-F238E27FC236}">
+                <a16:creationId xmlns:a16="http://schemas.microsoft.com/office/drawing/2014/main" id="{7BD11EFF-545E-470C-9BE4-5AC84BB979A8}"/>
+              </a:ext>
+            </a:extLst>
+          </p:cNvPr>
+          <p:cNvSpPr txBox="1"/>
+          <p:nvPr/>
+        </p:nvSpPr>
+        <p:spPr>
+          <a:xfrm>
+            <a:off x="213850" y="4756255"/>
+            <a:ext cx="6130412" cy="1200329"/>
+          </a:xfrm>
+          <a:prstGeom prst="rect">
+            <a:avLst/>
+          </a:prstGeom>
+          <a:noFill/>
+        </p:spPr>
+        <p:txBody>
+          <a:bodyPr wrap="square">
+            <a:spAutoFit/>
+          </a:bodyPr>
+          <a:lstStyle/>
+          <a:p>
+            <a:r>
+              <a:rPr lang="uk-UA" dirty="0"/>
+              <a:t>Тут:     </a:t>
+            </a:r>
+          </a:p>
+          <a:p>
+            <a:r>
+              <a:rPr lang="uk-UA" dirty="0"/>
+              <a:t>аргумент(и) — будь-яке значення, яке передається лямбда-функції;    </a:t>
+            </a:r>
+          </a:p>
+          <a:p>
+            <a:r>
+              <a:rPr lang="uk-UA" dirty="0"/>
+              <a:t> вираз — цей </a:t>
+            </a:r>
+            <a:r>
+              <a:rPr lang="uk-UA" dirty="0" err="1"/>
+              <a:t>стейтмент</a:t>
+            </a:r>
+            <a:r>
+              <a:rPr lang="uk-UA" dirty="0"/>
+              <a:t> виконується та повертається.</a:t>
+            </a:r>
+          </a:p>
+        </p:txBody>
+      </p:sp>
+    </p:spTree>
+    <p:extLst>
+      <p:ext uri="{BB962C8B-B14F-4D97-AF65-F5344CB8AC3E}">
+        <p14:creationId xmlns:p14="http://schemas.microsoft.com/office/powerpoint/2010/main" val="1634869557"/>
+      </p:ext>
+    </p:extLst>
+  </p:cSld>
+  <p:clrMapOvr>
+    <a:masterClrMapping/>
+  </p:clrMapOvr>
+</p:sld>
+</file>
+
+<file path=ppt/slides/slide3.xml><?xml version="1.0" encoding="utf-8"?>
+<p:sld xmlns:a="http://schemas.openxmlformats.org/drawingml/2006/main" xmlns:r="http://schemas.openxmlformats.org/officeDocument/2006/relationships" xmlns:p="http://schemas.openxmlformats.org/presentationml/2006/main">
+  <p:cSld>
+    <p:spTree>
+      <p:nvGrpSpPr>
+        <p:cNvPr id="1" name=""/>
+        <p:cNvGrpSpPr/>
+        <p:nvPr/>
+      </p:nvGrpSpPr>
+      <p:grpSpPr>
+        <a:xfrm>
+          <a:off x="0" y="0"/>
+          <a:ext cx="0" cy="0"/>
+          <a:chOff x="0" y="0"/>
+          <a:chExt cx="0" cy="0"/>
+        </a:xfrm>
+      </p:grpSpPr>
+      <p:sp>
+        <p:nvSpPr>
+          <p:cNvPr id="3" name="TextBox 2">
+            <a:extLst>
+              <a:ext uri="{FF2B5EF4-FFF2-40B4-BE49-F238E27FC236}">
+                <a16:creationId xmlns:a16="http://schemas.microsoft.com/office/drawing/2014/main" id="{9265882D-EB8C-A8B6-1907-4ABA72EFBDC1}"/>
+              </a:ext>
+            </a:extLst>
+          </p:cNvPr>
+          <p:cNvSpPr txBox="1"/>
+          <p:nvPr/>
+        </p:nvSpPr>
+        <p:spPr>
+          <a:xfrm>
+            <a:off x="226142" y="1123024"/>
+            <a:ext cx="6096000" cy="369332"/>
+          </a:xfrm>
+          <a:prstGeom prst="rect">
+            <a:avLst/>
+          </a:prstGeom>
+          <a:noFill/>
+        </p:spPr>
+        <p:txBody>
+          <a:bodyPr wrap="square">
+            <a:spAutoFit/>
+          </a:bodyPr>
+          <a:lstStyle/>
+          <a:p>
+            <a:r>
+              <a:rPr lang="uk-UA" b="0" i="0" dirty="0">
+                <a:solidFill>
+                  <a:srgbClr val="000000"/>
+                </a:solidFill>
+                <a:effectLst/>
+                <a:latin typeface="Open Sans" panose="020B0606030504020204" pitchFamily="34" charset="0"/>
+              </a:rPr>
+              <a:t>Розглянемо приклад:</a:t>
+            </a:r>
+            <a:endParaRPr lang="uk-UA" dirty="0"/>
+          </a:p>
+        </p:txBody>
+      </p:sp>
+      <p:graphicFrame>
+        <p:nvGraphicFramePr>
+          <p:cNvPr id="7" name="Таблица 6">
+            <a:extLst>
+              <a:ext uri="{FF2B5EF4-FFF2-40B4-BE49-F238E27FC236}">
+                <a16:creationId xmlns:a16="http://schemas.microsoft.com/office/drawing/2014/main" id="{ED46D757-52B1-DC3F-5915-C606787752FC}"/>
+              </a:ext>
+            </a:extLst>
+          </p:cNvPr>
+          <p:cNvGraphicFramePr>
+            <a:graphicFrameLocks noGrp="1"/>
+          </p:cNvGraphicFramePr>
+          <p:nvPr>
+            <p:extLst>
+              <p:ext uri="{D42A27DB-BD31-4B8C-83A1-F6EECF244321}">
+                <p14:modId xmlns:p14="http://schemas.microsoft.com/office/powerpoint/2010/main" val="1566577153"/>
+              </p:ext>
+            </p:extLst>
+          </p:nvPr>
+        </p:nvGraphicFramePr>
+        <p:xfrm>
+          <a:off x="299893" y="1596323"/>
+          <a:ext cx="7895283" cy="365760"/>
+        </p:xfrm>
+        <a:graphic>
+          <a:graphicData uri="http://schemas.openxmlformats.org/drawingml/2006/table">
+            <a:tbl>
+              <a:tblPr/>
+              <a:tblGrid>
+                <a:gridCol w="279946">
+                  <a:extLst>
+                    <a:ext uri="{9D8B030D-6E8A-4147-A177-3AD203B41FA5}">
+                      <a16:colId xmlns:a16="http://schemas.microsoft.com/office/drawing/2014/main" val="2404291248"/>
+                    </a:ext>
+                  </a:extLst>
+                </a:gridCol>
+                <a:gridCol w="7615337">
+                  <a:extLst>
+                    <a:ext uri="{9D8B030D-6E8A-4147-A177-3AD203B41FA5}">
+                      <a16:colId xmlns:a16="http://schemas.microsoft.com/office/drawing/2014/main" val="1377008672"/>
+                    </a:ext>
+                  </a:extLst>
+                </a:gridCol>
+              </a:tblGrid>
+              <a:tr h="0">
+                <a:tc>
+                  <a:txBody>
+                    <a:bodyPr/>
+                    <a:lstStyle/>
+                    <a:p>
+                      <a:pPr algn="ctr" fontAlgn="t"/>
+                      <a:r>
+                        <a:rPr lang="uk-UA">
+                          <a:solidFill>
+                            <a:srgbClr val="C2C2C2"/>
+                          </a:solidFill>
+                          <a:effectLst/>
+                          <a:latin typeface="inherit"/>
+                        </a:rPr>
+                        <a:t>1</a:t>
+                      </a:r>
+                    </a:p>
+                  </a:txBody>
+                  <a:tcPr>
+                    <a:lnL>
+                      <a:noFill/>
+                    </a:lnL>
+                    <a:lnR w="7620" cap="flat" cmpd="sng" algn="ctr">
+                      <a:solidFill>
+                        <a:srgbClr val="8C8D8F"/>
+                      </a:solidFill>
+                      <a:prstDash val="solid"/>
+                      <a:round/>
+                      <a:headEnd type="none" w="med" len="med"/>
+                      <a:tailEnd type="none" w="med" len="med"/>
+                    </a:lnR>
+                    <a:lnT>
+                      <a:noFill/>
+                    </a:lnT>
+                    <a:lnB>
+                      <a:noFill/>
+                    </a:lnB>
+                    <a:solidFill>
+                      <a:srgbClr val="303030"/>
+                    </a:solidFill>
+                  </a:tcPr>
+                </a:tc>
+                <a:tc>
+                  <a:txBody>
+                    <a:bodyPr/>
+                    <a:lstStyle/>
+                    <a:p>
+                      <a:pPr algn="l" fontAlgn="t"/>
+                      <a:r>
+                        <a:rPr lang="en-US" dirty="0">
+                          <a:solidFill>
+                            <a:srgbClr val="BDB76B"/>
+                          </a:solidFill>
+                          <a:effectLst/>
+                          <a:latin typeface="inherit"/>
+                        </a:rPr>
+                        <a:t>greet</a:t>
+                      </a:r>
+                      <a:r>
+                        <a:rPr lang="en-US" dirty="0">
+                          <a:solidFill>
+                            <a:srgbClr val="006FE0"/>
+                          </a:solidFill>
+                          <a:effectLst/>
+                          <a:latin typeface="inherit"/>
+                        </a:rPr>
+                        <a:t> </a:t>
+                      </a:r>
+                      <a:r>
+                        <a:rPr lang="en-US" dirty="0">
+                          <a:solidFill>
+                            <a:srgbClr val="DADADA"/>
+                          </a:solidFill>
+                          <a:effectLst/>
+                          <a:latin typeface="inherit"/>
+                        </a:rPr>
+                        <a:t>=</a:t>
+                      </a:r>
+                      <a:r>
+                        <a:rPr lang="en-US" dirty="0">
+                          <a:solidFill>
+                            <a:srgbClr val="006FE0"/>
+                          </a:solidFill>
+                          <a:effectLst/>
+                          <a:latin typeface="inherit"/>
+                        </a:rPr>
+                        <a:t> </a:t>
+                      </a:r>
+                      <a:r>
+                        <a:rPr lang="en-US" dirty="0">
+                          <a:solidFill>
+                            <a:srgbClr val="F4BB15"/>
+                          </a:solidFill>
+                          <a:effectLst/>
+                          <a:latin typeface="inherit"/>
+                        </a:rPr>
+                        <a:t>lambda</a:t>
+                      </a:r>
+                      <a:r>
+                        <a:rPr lang="en-US" dirty="0">
+                          <a:solidFill>
+                            <a:srgbClr val="006FE0"/>
+                          </a:solidFill>
+                          <a:effectLst/>
+                          <a:latin typeface="inherit"/>
+                        </a:rPr>
+                        <a:t> </a:t>
+                      </a:r>
+                      <a:r>
+                        <a:rPr lang="en-US" dirty="0">
+                          <a:solidFill>
+                            <a:srgbClr val="DADADA"/>
+                          </a:solidFill>
+                          <a:effectLst/>
+                          <a:latin typeface="inherit"/>
+                        </a:rPr>
+                        <a:t>:</a:t>
+                      </a:r>
+                      <a:r>
+                        <a:rPr lang="en-US" dirty="0">
+                          <a:solidFill>
+                            <a:srgbClr val="006FE0"/>
+                          </a:solidFill>
+                          <a:effectLst/>
+                          <a:latin typeface="inherit"/>
+                        </a:rPr>
+                        <a:t> </a:t>
+                      </a:r>
+                      <a:r>
+                        <a:rPr lang="en-US" dirty="0">
+                          <a:solidFill>
+                            <a:srgbClr val="569CD6"/>
+                          </a:solidFill>
+                          <a:effectLst/>
+                          <a:latin typeface="inherit"/>
+                        </a:rPr>
+                        <a:t>print</a:t>
+                      </a:r>
+                      <a:r>
+                        <a:rPr lang="en-US" dirty="0">
+                          <a:solidFill>
+                            <a:srgbClr val="D8D8D8"/>
+                          </a:solidFill>
+                          <a:effectLst/>
+                          <a:latin typeface="inherit"/>
+                        </a:rPr>
+                        <a:t>(</a:t>
+                      </a:r>
+                      <a:r>
+                        <a:rPr lang="en-US" dirty="0">
+                          <a:solidFill>
+                            <a:srgbClr val="D69D85"/>
+                          </a:solidFill>
+                          <a:effectLst/>
+                          <a:latin typeface="inherit"/>
+                        </a:rPr>
+                        <a:t>'Hello, World!'</a:t>
+                      </a:r>
+                      <a:r>
+                        <a:rPr lang="en-US" dirty="0">
+                          <a:solidFill>
+                            <a:srgbClr val="D8D8D8"/>
+                          </a:solidFill>
+                          <a:effectLst/>
+                          <a:latin typeface="inherit"/>
+                        </a:rPr>
+                        <a:t>)</a:t>
+                      </a:r>
+                      <a:endParaRPr lang="en-US" dirty="0">
+                        <a:solidFill>
+                          <a:srgbClr val="FFFFFF"/>
+                        </a:solidFill>
+                        <a:effectLst/>
+                        <a:latin typeface="inherit"/>
+                      </a:endParaRPr>
+                    </a:p>
+                  </a:txBody>
+                  <a:tcPr>
+                    <a:lnL w="7620" cap="flat" cmpd="sng" algn="ctr">
+                      <a:solidFill>
+                        <a:srgbClr val="8C8D8F"/>
+                      </a:solidFill>
+                      <a:prstDash val="solid"/>
+                      <a:round/>
+                      <a:headEnd type="none" w="med" len="med"/>
+                      <a:tailEnd type="none" w="med" len="med"/>
+                    </a:lnL>
+                    <a:lnR>
+                      <a:noFill/>
+                    </a:lnR>
+                    <a:lnT>
+                      <a:noFill/>
+                    </a:lnT>
+                    <a:lnB>
+                      <a:noFill/>
+                    </a:lnB>
+                    <a:solidFill>
+                      <a:srgbClr val="323232"/>
+                    </a:solidFill>
+                  </a:tcPr>
+                </a:tc>
+                <a:extLst>
+                  <a:ext uri="{0D108BD9-81ED-4DB2-BD59-A6C34878D82A}">
+                    <a16:rowId xmlns:a16="http://schemas.microsoft.com/office/drawing/2014/main" val="1985771863"/>
+                  </a:ext>
+                </a:extLst>
+              </a:tr>
+            </a:tbl>
+          </a:graphicData>
+        </a:graphic>
+      </p:graphicFrame>
+      <p:sp>
+        <p:nvSpPr>
+          <p:cNvPr id="9" name="TextBox 8">
+            <a:extLst>
+              <a:ext uri="{FF2B5EF4-FFF2-40B4-BE49-F238E27FC236}">
+                <a16:creationId xmlns:a16="http://schemas.microsoft.com/office/drawing/2014/main" id="{48CB9962-5A03-0695-121A-94F930FA9A21}"/>
+              </a:ext>
+            </a:extLst>
+          </p:cNvPr>
+          <p:cNvSpPr txBox="1"/>
+          <p:nvPr/>
+        </p:nvSpPr>
+        <p:spPr>
+          <a:xfrm>
+            <a:off x="226142" y="2172533"/>
+            <a:ext cx="6096000" cy="1200329"/>
+          </a:xfrm>
+          <a:prstGeom prst="rect">
+            <a:avLst/>
+          </a:prstGeom>
+          <a:noFill/>
+        </p:spPr>
+        <p:txBody>
+          <a:bodyPr wrap="square">
+            <a:spAutoFit/>
+          </a:bodyPr>
+          <a:lstStyle/>
+          <a:p>
+            <a:r>
+              <a:rPr lang="uk-UA" dirty="0"/>
+              <a:t>Тут ми визначили лямбда-функцію, яку присвоїли змінній з іменем </a:t>
+            </a:r>
+            <a:r>
+              <a:rPr lang="uk-UA" dirty="0" err="1"/>
+              <a:t>greet</a:t>
+            </a:r>
+            <a:r>
+              <a:rPr lang="uk-UA" dirty="0"/>
+              <a:t>.  Щоб виконати цю лямбда-функцію нам потрібно її викликати. Ось як ми можемо викликати лямбда-функцію:</a:t>
+            </a:r>
+          </a:p>
+        </p:txBody>
+      </p:sp>
+      <p:graphicFrame>
+        <p:nvGraphicFramePr>
+          <p:cNvPr id="10" name="Таблица 9">
+            <a:extLst>
+              <a:ext uri="{FF2B5EF4-FFF2-40B4-BE49-F238E27FC236}">
+                <a16:creationId xmlns:a16="http://schemas.microsoft.com/office/drawing/2014/main" id="{7DD79731-6034-9F05-7112-29D9E1E47A3F}"/>
+              </a:ext>
+            </a:extLst>
+          </p:cNvPr>
+          <p:cNvGraphicFramePr>
+            <a:graphicFrameLocks noGrp="1"/>
+          </p:cNvGraphicFramePr>
+          <p:nvPr>
+            <p:extLst>
+              <p:ext uri="{D42A27DB-BD31-4B8C-83A1-F6EECF244321}">
+                <p14:modId xmlns:p14="http://schemas.microsoft.com/office/powerpoint/2010/main" val="1536979617"/>
+              </p:ext>
+            </p:extLst>
+          </p:nvPr>
+        </p:nvGraphicFramePr>
+        <p:xfrm>
+          <a:off x="368719" y="3583312"/>
+          <a:ext cx="7895283" cy="640080"/>
+        </p:xfrm>
+        <a:graphic>
+          <a:graphicData uri="http://schemas.openxmlformats.org/drawingml/2006/table">
+            <a:tbl>
+              <a:tblPr/>
+              <a:tblGrid>
+                <a:gridCol w="279946">
+                  <a:extLst>
+                    <a:ext uri="{9D8B030D-6E8A-4147-A177-3AD203B41FA5}">
+                      <a16:colId xmlns:a16="http://schemas.microsoft.com/office/drawing/2014/main" val="3400332247"/>
+                    </a:ext>
+                  </a:extLst>
+                </a:gridCol>
+                <a:gridCol w="7615337">
+                  <a:extLst>
+                    <a:ext uri="{9D8B030D-6E8A-4147-A177-3AD203B41FA5}">
+                      <a16:colId xmlns:a16="http://schemas.microsoft.com/office/drawing/2014/main" val="2716352645"/>
+                    </a:ext>
+                  </a:extLst>
+                </a:gridCol>
+              </a:tblGrid>
+              <a:tr h="0">
+                <a:tc>
+                  <a:txBody>
+                    <a:bodyPr/>
+                    <a:lstStyle/>
+                    <a:p>
+                      <a:pPr algn="ctr" fontAlgn="t"/>
+                      <a:r>
+                        <a:rPr lang="uk-UA">
+                          <a:solidFill>
+                            <a:srgbClr val="C2C2C2"/>
+                          </a:solidFill>
+                          <a:effectLst/>
+                          <a:latin typeface="inherit"/>
+                        </a:rPr>
+                        <a:t>1</a:t>
+                      </a:r>
+                    </a:p>
+                    <a:p>
+                      <a:pPr algn="ctr" fontAlgn="t"/>
+                      <a:r>
+                        <a:rPr lang="uk-UA">
+                          <a:solidFill>
+                            <a:srgbClr val="C2C2C2"/>
+                          </a:solidFill>
+                          <a:effectLst/>
+                          <a:latin typeface="inherit"/>
+                        </a:rPr>
+                        <a:t>2</a:t>
+                      </a:r>
+                    </a:p>
+                  </a:txBody>
+                  <a:tcPr>
+                    <a:lnL>
+                      <a:noFill/>
+                    </a:lnL>
+                    <a:lnR w="7620" cap="flat" cmpd="sng" algn="ctr">
+                      <a:solidFill>
+                        <a:srgbClr val="8C8D8F"/>
+                      </a:solidFill>
+                      <a:prstDash val="solid"/>
+                      <a:round/>
+                      <a:headEnd type="none" w="med" len="med"/>
+                      <a:tailEnd type="none" w="med" len="med"/>
+                    </a:lnR>
+                    <a:lnT>
+                      <a:noFill/>
+                    </a:lnT>
+                    <a:lnB>
+                      <a:noFill/>
+                    </a:lnB>
+                    <a:solidFill>
+                      <a:srgbClr val="303030"/>
+                    </a:solidFill>
+                  </a:tcPr>
+                </a:tc>
+                <a:tc>
+                  <a:txBody>
+                    <a:bodyPr/>
+                    <a:lstStyle/>
+                    <a:p>
+                      <a:pPr algn="l" fontAlgn="t"/>
+                      <a:r>
+                        <a:rPr lang="uk-UA" i="1" dirty="0">
+                          <a:solidFill>
+                            <a:srgbClr val="57A64A"/>
+                          </a:solidFill>
+                          <a:effectLst/>
+                          <a:latin typeface="inherit"/>
+                        </a:rPr>
+                        <a:t># Викликаємо лямбда-функцію</a:t>
+                      </a:r>
+                      <a:endParaRPr lang="uk-UA" dirty="0">
+                        <a:solidFill>
+                          <a:srgbClr val="FFFFFF"/>
+                        </a:solidFill>
+                        <a:effectLst/>
+                        <a:latin typeface="inherit"/>
+                      </a:endParaRPr>
+                    </a:p>
+                    <a:p>
+                      <a:pPr algn="l" fontAlgn="t"/>
+                      <a:r>
+                        <a:rPr lang="en-US" dirty="0">
+                          <a:solidFill>
+                            <a:srgbClr val="FF8000"/>
+                          </a:solidFill>
+                          <a:effectLst/>
+                          <a:latin typeface="inherit"/>
+                        </a:rPr>
+                        <a:t>greet</a:t>
+                      </a:r>
+                      <a:r>
+                        <a:rPr lang="en-US" dirty="0">
+                          <a:solidFill>
+                            <a:srgbClr val="D8D8D8"/>
+                          </a:solidFill>
+                          <a:effectLst/>
+                          <a:latin typeface="inherit"/>
+                        </a:rPr>
+                        <a:t>()</a:t>
+                      </a:r>
+                      <a:endParaRPr lang="en-US" dirty="0">
+                        <a:solidFill>
+                          <a:srgbClr val="FFFFFF"/>
+                        </a:solidFill>
+                        <a:effectLst/>
+                        <a:latin typeface="inherit"/>
+                      </a:endParaRPr>
+                    </a:p>
+                  </a:txBody>
+                  <a:tcPr>
+                    <a:lnL w="7620" cap="flat" cmpd="sng" algn="ctr">
+                      <a:solidFill>
+                        <a:srgbClr val="8C8D8F"/>
+                      </a:solidFill>
+                      <a:prstDash val="solid"/>
+                      <a:round/>
+                      <a:headEnd type="none" w="med" len="med"/>
+                      <a:tailEnd type="none" w="med" len="med"/>
+                    </a:lnL>
+                    <a:lnR>
+                      <a:noFill/>
+                    </a:lnR>
+                    <a:lnT>
+                      <a:noFill/>
+                    </a:lnT>
+                    <a:lnB>
+                      <a:noFill/>
+                    </a:lnB>
+                    <a:solidFill>
+                      <a:srgbClr val="323232"/>
+                    </a:solidFill>
+                  </a:tcPr>
+                </a:tc>
+                <a:extLst>
+                  <a:ext uri="{0D108BD9-81ED-4DB2-BD59-A6C34878D82A}">
+                    <a16:rowId xmlns:a16="http://schemas.microsoft.com/office/drawing/2014/main" val="3943199468"/>
+                  </a:ext>
+                </a:extLst>
+              </a:tr>
+            </a:tbl>
+          </a:graphicData>
+        </a:graphic>
+      </p:graphicFrame>
+      <p:sp>
+        <p:nvSpPr>
+          <p:cNvPr id="12" name="TextBox 11">
+            <a:extLst>
+              <a:ext uri="{FF2B5EF4-FFF2-40B4-BE49-F238E27FC236}">
+                <a16:creationId xmlns:a16="http://schemas.microsoft.com/office/drawing/2014/main" id="{85DC351B-DCE3-8926-026E-3C43129B6BF6}"/>
+              </a:ext>
+            </a:extLst>
+          </p:cNvPr>
+          <p:cNvSpPr txBox="1"/>
+          <p:nvPr/>
+        </p:nvSpPr>
+        <p:spPr>
+          <a:xfrm>
+            <a:off x="299893" y="4347760"/>
+            <a:ext cx="6096000" cy="646331"/>
+          </a:xfrm>
+          <a:prstGeom prst="rect">
+            <a:avLst/>
+          </a:prstGeom>
+          <a:noFill/>
+        </p:spPr>
+        <p:txBody>
+          <a:bodyPr wrap="square">
+            <a:spAutoFit/>
+          </a:bodyPr>
+          <a:lstStyle/>
+          <a:p>
+            <a:r>
+              <a:rPr lang="uk-UA" dirty="0"/>
+              <a:t>Дана лямбда-функція просто виводить текст </a:t>
+            </a:r>
+            <a:r>
+              <a:rPr lang="uk-UA" dirty="0" err="1"/>
+              <a:t>Hello</a:t>
+            </a:r>
+            <a:r>
+              <a:rPr lang="uk-UA" dirty="0"/>
+              <a:t>, </a:t>
+            </a:r>
+            <a:r>
+              <a:rPr lang="uk-UA" dirty="0" err="1"/>
+              <a:t>World</a:t>
+            </a:r>
+            <a:r>
+              <a:rPr lang="uk-UA" dirty="0"/>
+              <a:t>!.</a:t>
+            </a:r>
+          </a:p>
+        </p:txBody>
+      </p:sp>
+      <p:sp>
+        <p:nvSpPr>
+          <p:cNvPr id="13" name="TextBox 12">
+            <a:extLst>
+              <a:ext uri="{FF2B5EF4-FFF2-40B4-BE49-F238E27FC236}">
+                <a16:creationId xmlns:a16="http://schemas.microsoft.com/office/drawing/2014/main" id="{4F61B123-FB3C-C234-BE08-10A216A6EABD}"/>
+              </a:ext>
+            </a:extLst>
+          </p:cNvPr>
+          <p:cNvSpPr txBox="1"/>
+          <p:nvPr/>
+        </p:nvSpPr>
+        <p:spPr>
+          <a:xfrm>
+            <a:off x="-68826" y="101544"/>
+            <a:ext cx="12260826" cy="646331"/>
+          </a:xfrm>
+          <a:prstGeom prst="rect">
+            <a:avLst/>
+          </a:prstGeom>
+          <a:noFill/>
+        </p:spPr>
+        <p:txBody>
+          <a:bodyPr wrap="square">
+            <a:spAutoFit/>
+          </a:bodyPr>
+          <a:lstStyle/>
+          <a:p>
+            <a:pPr algn="ctr"/>
+            <a:r>
+              <a:rPr lang="uk-UA" sz="3600" b="1" i="0" dirty="0">
+                <a:solidFill>
+                  <a:srgbClr val="000000"/>
+                </a:solidFill>
+                <a:effectLst/>
+                <a:highlight>
+                  <a:srgbClr val="FFFFFF"/>
+                </a:highlight>
+                <a:latin typeface="Segoe UI" panose="020B0502040204020203" pitchFamily="34" charset="0"/>
+              </a:rPr>
+              <a:t>Лямбда (анонімні функції) в </a:t>
+            </a:r>
+            <a:r>
+              <a:rPr lang="en-US" sz="3600" b="1" i="0" dirty="0">
+                <a:solidFill>
+                  <a:srgbClr val="000000"/>
+                </a:solidFill>
+                <a:effectLst/>
+                <a:highlight>
+                  <a:srgbClr val="FFFFFF"/>
+                </a:highlight>
+                <a:latin typeface="Segoe UI" panose="020B0502040204020203" pitchFamily="34" charset="0"/>
+              </a:rPr>
+              <a:t>Python</a:t>
+            </a:r>
+          </a:p>
+        </p:txBody>
+      </p:sp>
+    </p:spTree>
+    <p:extLst>
+      <p:ext uri="{BB962C8B-B14F-4D97-AF65-F5344CB8AC3E}">
+        <p14:creationId xmlns:p14="http://schemas.microsoft.com/office/powerpoint/2010/main" val="2600557723"/>
+      </p:ext>
+    </p:extLst>
+  </p:cSld>
+  <p:clrMapOvr>
+    <a:masterClrMapping/>
+  </p:clrMapOvr>
+</p:sld>
+</file>
+
+<file path=ppt/slides/slide4.xml><?xml version="1.0" encoding="utf-8"?>
+<p:sld xmlns:a="http://schemas.openxmlformats.org/drawingml/2006/main" xmlns:r="http://schemas.openxmlformats.org/officeDocument/2006/relationships" xmlns:p="http://schemas.openxmlformats.org/presentationml/2006/main">
+  <p:cSld>
+    <p:spTree>
+      <p:nvGrpSpPr>
+        <p:cNvPr id="1" name=""/>
+        <p:cNvGrpSpPr/>
+        <p:nvPr/>
+      </p:nvGrpSpPr>
+      <p:grpSpPr>
+        <a:xfrm>
+          <a:off x="0" y="0"/>
+          <a:ext cx="0" cy="0"/>
+          <a:chOff x="0" y="0"/>
+          <a:chExt cx="0" cy="0"/>
+        </a:xfrm>
+      </p:grpSpPr>
+      <p:sp>
+        <p:nvSpPr>
+          <p:cNvPr id="3" name="TextBox 2">
+            <a:extLst>
+              <a:ext uri="{FF2B5EF4-FFF2-40B4-BE49-F238E27FC236}">
+                <a16:creationId xmlns:a16="http://schemas.microsoft.com/office/drawing/2014/main" id="{D784A2E2-2128-E848-033E-640D2EB1CF9E}"/>
+              </a:ext>
+            </a:extLst>
+          </p:cNvPr>
+          <p:cNvSpPr txBox="1"/>
+          <p:nvPr/>
+        </p:nvSpPr>
+        <p:spPr>
+          <a:xfrm>
+            <a:off x="0" y="85879"/>
+            <a:ext cx="12192000" cy="584775"/>
+          </a:xfrm>
+          <a:prstGeom prst="rect">
+            <a:avLst/>
+          </a:prstGeom>
+          <a:noFill/>
+        </p:spPr>
+        <p:txBody>
+          <a:bodyPr wrap="square">
+            <a:spAutoFit/>
+          </a:bodyPr>
+          <a:lstStyle/>
+          <a:p>
+            <a:pPr algn="ctr"/>
+            <a:r>
+              <a:rPr lang="ru-RU" sz="3200" b="1" i="0" dirty="0">
+                <a:solidFill>
+                  <a:srgbClr val="000000"/>
+                </a:solidFill>
+                <a:effectLst/>
+                <a:latin typeface="Segoe UI" panose="020B0502040204020203" pitchFamily="34" charset="0"/>
+              </a:rPr>
+              <a:t>Лямбда-</a:t>
+            </a:r>
+            <a:r>
+              <a:rPr lang="ru-RU" sz="3200" b="1" i="0" dirty="0" err="1">
+                <a:solidFill>
+                  <a:srgbClr val="000000"/>
+                </a:solidFill>
+                <a:effectLst/>
+                <a:latin typeface="Segoe UI" panose="020B0502040204020203" pitchFamily="34" charset="0"/>
+              </a:rPr>
+              <a:t>функція</a:t>
+            </a:r>
+            <a:r>
+              <a:rPr lang="ru-RU" sz="3200" b="1" i="0" dirty="0">
+                <a:solidFill>
+                  <a:srgbClr val="000000"/>
+                </a:solidFill>
+                <a:effectLst/>
+                <a:latin typeface="Segoe UI" panose="020B0502040204020203" pitchFamily="34" charset="0"/>
+              </a:rPr>
+              <a:t> з аргументами в Python</a:t>
+            </a:r>
+          </a:p>
+        </p:txBody>
+      </p:sp>
+      <p:sp>
+        <p:nvSpPr>
+          <p:cNvPr id="5" name="TextBox 4">
+            <a:extLst>
+              <a:ext uri="{FF2B5EF4-FFF2-40B4-BE49-F238E27FC236}">
+                <a16:creationId xmlns:a16="http://schemas.microsoft.com/office/drawing/2014/main" id="{6E98B8A4-FB08-5140-1EA9-44C9FB942C90}"/>
+              </a:ext>
+            </a:extLst>
+          </p:cNvPr>
+          <p:cNvSpPr txBox="1"/>
+          <p:nvPr/>
+        </p:nvSpPr>
+        <p:spPr>
+          <a:xfrm>
+            <a:off x="403123" y="648533"/>
+            <a:ext cx="6096000" cy="1200329"/>
+          </a:xfrm>
+          <a:prstGeom prst="rect">
+            <a:avLst/>
+          </a:prstGeom>
+          <a:noFill/>
+        </p:spPr>
+        <p:txBody>
+          <a:bodyPr wrap="square">
+            <a:spAutoFit/>
+          </a:bodyPr>
+          <a:lstStyle/>
+          <a:p>
+            <a:pPr algn="l"/>
+            <a:r>
+              <a:rPr lang="ru-RU" b="0" i="0" dirty="0">
+                <a:solidFill>
+                  <a:srgbClr val="000000"/>
+                </a:solidFill>
+                <a:effectLst/>
+                <a:latin typeface="Open Sans" panose="020B0606030504020204" pitchFamily="34" charset="0"/>
+              </a:rPr>
+              <a:t>Як і </a:t>
+            </a:r>
+            <a:r>
+              <a:rPr lang="ru-RU" b="0" i="0" dirty="0" err="1">
+                <a:solidFill>
+                  <a:srgbClr val="000000"/>
+                </a:solidFill>
+                <a:effectLst/>
+                <a:latin typeface="Open Sans" panose="020B0606030504020204" pitchFamily="34" charset="0"/>
+              </a:rPr>
+              <a:t>звичайні</a:t>
+            </a:r>
+            <a:r>
+              <a:rPr lang="ru-RU" b="0" i="0" dirty="0">
+                <a:solidFill>
+                  <a:srgbClr val="000000"/>
+                </a:solidFill>
+                <a:effectLst/>
+                <a:latin typeface="Open Sans" panose="020B0606030504020204" pitchFamily="34" charset="0"/>
+              </a:rPr>
+              <a:t> </a:t>
+            </a:r>
+            <a:r>
+              <a:rPr lang="ru-RU" b="0" i="0" dirty="0" err="1">
+                <a:solidFill>
+                  <a:srgbClr val="000000"/>
+                </a:solidFill>
+                <a:effectLst/>
+                <a:latin typeface="Open Sans" panose="020B0606030504020204" pitchFamily="34" charset="0"/>
+              </a:rPr>
+              <a:t>функції</a:t>
+            </a:r>
+            <a:r>
+              <a:rPr lang="ru-RU" b="0" i="0" dirty="0">
+                <a:solidFill>
+                  <a:srgbClr val="000000"/>
+                </a:solidFill>
+                <a:effectLst/>
+                <a:latin typeface="Open Sans" panose="020B0606030504020204" pitchFamily="34" charset="0"/>
+              </a:rPr>
+              <a:t>, лямбда-</a:t>
+            </a:r>
+            <a:r>
+              <a:rPr lang="ru-RU" b="0" i="0" dirty="0" err="1">
+                <a:solidFill>
+                  <a:srgbClr val="000000"/>
+                </a:solidFill>
+                <a:effectLst/>
+                <a:latin typeface="Open Sans" panose="020B0606030504020204" pitchFamily="34" charset="0"/>
+              </a:rPr>
+              <a:t>функція</a:t>
+            </a:r>
+            <a:r>
+              <a:rPr lang="ru-RU" b="0" i="0" dirty="0">
+                <a:solidFill>
+                  <a:srgbClr val="000000"/>
+                </a:solidFill>
+                <a:effectLst/>
+                <a:latin typeface="Open Sans" panose="020B0606030504020204" pitchFamily="34" charset="0"/>
+              </a:rPr>
+              <a:t> також </a:t>
+            </a:r>
+            <a:r>
+              <a:rPr lang="ru-RU" b="0" i="0" dirty="0" err="1">
+                <a:solidFill>
+                  <a:srgbClr val="000000"/>
+                </a:solidFill>
+                <a:effectLst/>
+                <a:latin typeface="Open Sans" panose="020B0606030504020204" pitchFamily="34" charset="0"/>
+              </a:rPr>
+              <a:t>може</a:t>
+            </a:r>
+            <a:r>
+              <a:rPr lang="ru-RU" b="0" i="0" dirty="0">
+                <a:solidFill>
+                  <a:srgbClr val="000000"/>
+                </a:solidFill>
+                <a:effectLst/>
+                <a:latin typeface="Open Sans" panose="020B0606030504020204" pitchFamily="34" charset="0"/>
+              </a:rPr>
+              <a:t> </a:t>
+            </a:r>
+            <a:r>
+              <a:rPr lang="ru-RU" b="0" i="0" dirty="0" err="1">
+                <a:solidFill>
+                  <a:srgbClr val="000000"/>
+                </a:solidFill>
+                <a:effectLst/>
+                <a:latin typeface="Open Sans" panose="020B0606030504020204" pitchFamily="34" charset="0"/>
+              </a:rPr>
+              <a:t>приймати</a:t>
+            </a:r>
+            <a:r>
+              <a:rPr lang="ru-RU" b="0" i="0" dirty="0">
+                <a:solidFill>
+                  <a:srgbClr val="000000"/>
+                </a:solidFill>
+                <a:effectLst/>
+                <a:latin typeface="Open Sans" panose="020B0606030504020204" pitchFamily="34" charset="0"/>
+              </a:rPr>
+              <a:t> </a:t>
+            </a:r>
+            <a:r>
+              <a:rPr lang="ru-RU" b="0" i="0" dirty="0" err="1">
+                <a:solidFill>
+                  <a:srgbClr val="000000"/>
+                </a:solidFill>
+                <a:effectLst/>
+                <a:latin typeface="Open Sans" panose="020B0606030504020204" pitchFamily="34" charset="0"/>
+              </a:rPr>
+              <a:t>аргументи</a:t>
+            </a:r>
+            <a:r>
+              <a:rPr lang="ru-RU" b="0" i="0" dirty="0">
+                <a:solidFill>
+                  <a:srgbClr val="000000"/>
+                </a:solidFill>
+                <a:effectLst/>
+                <a:latin typeface="Open Sans" panose="020B0606030504020204" pitchFamily="34" charset="0"/>
+              </a:rPr>
+              <a:t>. </a:t>
+            </a:r>
+            <a:r>
+              <a:rPr lang="ru-RU" b="0" i="0" dirty="0" err="1">
+                <a:solidFill>
+                  <a:srgbClr val="000000"/>
+                </a:solidFill>
+                <a:effectLst/>
+                <a:latin typeface="Open Sans" panose="020B0606030504020204" pitchFamily="34" charset="0"/>
+              </a:rPr>
+              <a:t>Наприклад</a:t>
+            </a:r>
+            <a:r>
+              <a:rPr lang="ru-RU" b="0" i="0" dirty="0">
+                <a:solidFill>
+                  <a:srgbClr val="000000"/>
+                </a:solidFill>
+                <a:effectLst/>
+                <a:latin typeface="Open Sans" panose="020B0606030504020204" pitchFamily="34" charset="0"/>
+              </a:rPr>
+              <a:t>:</a:t>
+            </a:r>
+          </a:p>
+          <a:p>
+            <a:br>
+              <a:rPr lang="ru-RU" dirty="0"/>
+            </a:br>
+            <a:endParaRPr lang="uk-UA" dirty="0"/>
+          </a:p>
+        </p:txBody>
+      </p:sp>
+      <p:graphicFrame>
+        <p:nvGraphicFramePr>
+          <p:cNvPr id="6" name="Таблица 5">
+            <a:extLst>
+              <a:ext uri="{FF2B5EF4-FFF2-40B4-BE49-F238E27FC236}">
+                <a16:creationId xmlns:a16="http://schemas.microsoft.com/office/drawing/2014/main" id="{AE1B8A9B-082D-5375-BFFD-AA20C9D285F0}"/>
+              </a:ext>
+            </a:extLst>
+          </p:cNvPr>
+          <p:cNvGraphicFramePr>
+            <a:graphicFrameLocks noGrp="1"/>
+          </p:cNvGraphicFramePr>
+          <p:nvPr>
+            <p:extLst>
+              <p:ext uri="{D42A27DB-BD31-4B8C-83A1-F6EECF244321}">
+                <p14:modId xmlns:p14="http://schemas.microsoft.com/office/powerpoint/2010/main" val="3092852915"/>
+              </p:ext>
+            </p:extLst>
+          </p:nvPr>
+        </p:nvGraphicFramePr>
+        <p:xfrm>
+          <a:off x="403123" y="1499967"/>
+          <a:ext cx="7895283" cy="1463040"/>
+        </p:xfrm>
+        <a:graphic>
+          <a:graphicData uri="http://schemas.openxmlformats.org/drawingml/2006/table">
+            <a:tbl>
+              <a:tblPr/>
+              <a:tblGrid>
+                <a:gridCol w="279946">
+                  <a:extLst>
+                    <a:ext uri="{9D8B030D-6E8A-4147-A177-3AD203B41FA5}">
+                      <a16:colId xmlns:a16="http://schemas.microsoft.com/office/drawing/2014/main" val="1767192471"/>
+                    </a:ext>
+                  </a:extLst>
+                </a:gridCol>
+                <a:gridCol w="7615337">
+                  <a:extLst>
+                    <a:ext uri="{9D8B030D-6E8A-4147-A177-3AD203B41FA5}">
+                      <a16:colId xmlns:a16="http://schemas.microsoft.com/office/drawing/2014/main" val="3137821336"/>
+                    </a:ext>
+                  </a:extLst>
+                </a:gridCol>
+              </a:tblGrid>
+              <a:tr h="0">
+                <a:tc>
+                  <a:txBody>
+                    <a:bodyPr/>
+                    <a:lstStyle/>
+                    <a:p>
+                      <a:pPr algn="ctr" fontAlgn="t"/>
+                      <a:r>
+                        <a:rPr lang="uk-UA">
+                          <a:solidFill>
+                            <a:srgbClr val="C2C2C2"/>
+                          </a:solidFill>
+                          <a:effectLst/>
+                          <a:latin typeface="inherit"/>
+                        </a:rPr>
+                        <a:t>1</a:t>
+                      </a:r>
+                    </a:p>
+                    <a:p>
+                      <a:pPr algn="ctr" fontAlgn="t"/>
+                      <a:r>
+                        <a:rPr lang="uk-UA">
+                          <a:solidFill>
+                            <a:srgbClr val="C2C2C2"/>
+                          </a:solidFill>
+                          <a:effectLst/>
+                          <a:latin typeface="inherit"/>
+                        </a:rPr>
+                        <a:t>2</a:t>
+                      </a:r>
+                    </a:p>
+                    <a:p>
+                      <a:pPr algn="ctr" fontAlgn="t"/>
+                      <a:r>
+                        <a:rPr lang="uk-UA">
+                          <a:solidFill>
+                            <a:srgbClr val="C2C2C2"/>
+                          </a:solidFill>
+                          <a:effectLst/>
+                          <a:latin typeface="inherit"/>
+                        </a:rPr>
+                        <a:t>3</a:t>
+                      </a:r>
+                    </a:p>
+                    <a:p>
+                      <a:pPr algn="ctr" fontAlgn="t"/>
+                      <a:r>
+                        <a:rPr lang="uk-UA">
+                          <a:solidFill>
+                            <a:srgbClr val="C2C2C2"/>
+                          </a:solidFill>
+                          <a:effectLst/>
+                          <a:latin typeface="inherit"/>
+                        </a:rPr>
+                        <a:t>4</a:t>
+                      </a:r>
+                    </a:p>
+                    <a:p>
+                      <a:pPr algn="ctr" fontAlgn="t"/>
+                      <a:r>
+                        <a:rPr lang="uk-UA">
+                          <a:solidFill>
+                            <a:srgbClr val="C2C2C2"/>
+                          </a:solidFill>
+                          <a:effectLst/>
+                          <a:latin typeface="inherit"/>
+                        </a:rPr>
+                        <a:t>5</a:t>
+                      </a:r>
+                    </a:p>
+                  </a:txBody>
+                  <a:tcPr>
+                    <a:lnL>
+                      <a:noFill/>
+                    </a:lnL>
+                    <a:lnR w="7620" cap="flat" cmpd="sng" algn="ctr">
+                      <a:solidFill>
+                        <a:srgbClr val="8C8D8F"/>
+                      </a:solidFill>
+                      <a:prstDash val="solid"/>
+                      <a:round/>
+                      <a:headEnd type="none" w="med" len="med"/>
+                      <a:tailEnd type="none" w="med" len="med"/>
+                    </a:lnR>
+                    <a:lnT>
+                      <a:noFill/>
+                    </a:lnT>
+                    <a:lnB>
+                      <a:noFill/>
+                    </a:lnB>
+                    <a:solidFill>
+                      <a:srgbClr val="303030"/>
+                    </a:solidFill>
+                  </a:tcPr>
+                </a:tc>
+                <a:tc>
+                  <a:txBody>
+                    <a:bodyPr/>
+                    <a:lstStyle/>
+                    <a:p>
+                      <a:pPr algn="l" fontAlgn="t"/>
+                      <a:r>
+                        <a:rPr lang="uk-UA" i="1" dirty="0">
+                          <a:solidFill>
+                            <a:srgbClr val="57A64A"/>
+                          </a:solidFill>
+                          <a:effectLst/>
+                          <a:latin typeface="inherit"/>
+                        </a:rPr>
+                        <a:t># Лямбда-функція, яка приймає 1 аргумент</a:t>
+                      </a:r>
+                      <a:endParaRPr lang="uk-UA" dirty="0">
+                        <a:solidFill>
+                          <a:srgbClr val="FFFFFF"/>
+                        </a:solidFill>
+                        <a:effectLst/>
+                        <a:latin typeface="inherit"/>
+                      </a:endParaRPr>
+                    </a:p>
+                    <a:p>
+                      <a:pPr algn="l" fontAlgn="t"/>
+                      <a:r>
+                        <a:rPr lang="en-US" dirty="0" err="1">
+                          <a:solidFill>
+                            <a:srgbClr val="BDB76B"/>
+                          </a:solidFill>
+                          <a:effectLst/>
+                          <a:latin typeface="inherit"/>
+                        </a:rPr>
+                        <a:t>greet_user</a:t>
+                      </a:r>
+                      <a:r>
+                        <a:rPr lang="en-US" dirty="0">
+                          <a:solidFill>
+                            <a:srgbClr val="006FE0"/>
+                          </a:solidFill>
+                          <a:effectLst/>
+                          <a:latin typeface="inherit"/>
+                        </a:rPr>
+                        <a:t> </a:t>
+                      </a:r>
+                      <a:r>
+                        <a:rPr lang="en-US" dirty="0">
+                          <a:solidFill>
+                            <a:srgbClr val="DADADA"/>
+                          </a:solidFill>
+                          <a:effectLst/>
+                          <a:latin typeface="inherit"/>
+                        </a:rPr>
+                        <a:t>=</a:t>
+                      </a:r>
+                      <a:r>
+                        <a:rPr lang="en-US" dirty="0">
+                          <a:solidFill>
+                            <a:srgbClr val="006FE0"/>
+                          </a:solidFill>
+                          <a:effectLst/>
+                          <a:latin typeface="inherit"/>
+                        </a:rPr>
+                        <a:t> </a:t>
+                      </a:r>
+                      <a:r>
+                        <a:rPr lang="en-US" dirty="0">
+                          <a:solidFill>
+                            <a:srgbClr val="F4BB15"/>
+                          </a:solidFill>
+                          <a:effectLst/>
+                          <a:latin typeface="inherit"/>
+                        </a:rPr>
+                        <a:t>lambda</a:t>
+                      </a:r>
+                      <a:r>
+                        <a:rPr lang="en-US" dirty="0">
+                          <a:solidFill>
+                            <a:srgbClr val="006FE0"/>
+                          </a:solidFill>
+                          <a:effectLst/>
+                          <a:latin typeface="inherit"/>
+                        </a:rPr>
+                        <a:t> </a:t>
+                      </a:r>
+                      <a:r>
+                        <a:rPr lang="en-US" dirty="0">
+                          <a:solidFill>
+                            <a:srgbClr val="BDB76B"/>
+                          </a:solidFill>
+                          <a:effectLst/>
+                          <a:latin typeface="inherit"/>
+                        </a:rPr>
+                        <a:t>name</a:t>
+                      </a:r>
+                      <a:r>
+                        <a:rPr lang="en-US" dirty="0">
+                          <a:solidFill>
+                            <a:srgbClr val="006FE0"/>
+                          </a:solidFill>
+                          <a:effectLst/>
+                          <a:latin typeface="inherit"/>
+                        </a:rPr>
+                        <a:t> </a:t>
+                      </a:r>
+                      <a:r>
+                        <a:rPr lang="en-US" dirty="0">
+                          <a:solidFill>
+                            <a:srgbClr val="DADADA"/>
+                          </a:solidFill>
+                          <a:effectLst/>
+                          <a:latin typeface="inherit"/>
+                        </a:rPr>
+                        <a:t>:</a:t>
+                      </a:r>
+                      <a:r>
+                        <a:rPr lang="en-US" dirty="0">
+                          <a:solidFill>
+                            <a:srgbClr val="006FE0"/>
+                          </a:solidFill>
+                          <a:effectLst/>
+                          <a:latin typeface="inherit"/>
+                        </a:rPr>
+                        <a:t> </a:t>
+                      </a:r>
+                      <a:r>
+                        <a:rPr lang="en-US" dirty="0">
+                          <a:solidFill>
+                            <a:srgbClr val="569CD6"/>
+                          </a:solidFill>
+                          <a:effectLst/>
+                          <a:latin typeface="inherit"/>
+                        </a:rPr>
+                        <a:t>print</a:t>
+                      </a:r>
+                      <a:r>
+                        <a:rPr lang="en-US" dirty="0">
+                          <a:solidFill>
+                            <a:srgbClr val="D8D8D8"/>
+                          </a:solidFill>
+                          <a:effectLst/>
+                          <a:latin typeface="inherit"/>
+                        </a:rPr>
+                        <a:t>(</a:t>
+                      </a:r>
+                      <a:r>
+                        <a:rPr lang="en-US" dirty="0">
+                          <a:solidFill>
+                            <a:srgbClr val="D69D85"/>
+                          </a:solidFill>
+                          <a:effectLst/>
+                          <a:latin typeface="inherit"/>
+                        </a:rPr>
+                        <a:t>'Hey there,'</a:t>
+                      </a:r>
+                      <a:r>
+                        <a:rPr lang="en-US" dirty="0">
+                          <a:solidFill>
+                            <a:srgbClr val="D8D8D8"/>
+                          </a:solidFill>
+                          <a:effectLst/>
+                          <a:latin typeface="inherit"/>
+                        </a:rPr>
+                        <a:t>,</a:t>
+                      </a:r>
+                      <a:r>
+                        <a:rPr lang="en-US" dirty="0">
+                          <a:solidFill>
+                            <a:srgbClr val="006FE0"/>
+                          </a:solidFill>
+                          <a:effectLst/>
+                          <a:latin typeface="inherit"/>
+                        </a:rPr>
+                        <a:t> </a:t>
+                      </a:r>
+                      <a:r>
+                        <a:rPr lang="en-US" dirty="0">
+                          <a:solidFill>
+                            <a:srgbClr val="BDB76B"/>
+                          </a:solidFill>
+                          <a:effectLst/>
+                          <a:latin typeface="inherit"/>
+                        </a:rPr>
+                        <a:t>name</a:t>
+                      </a:r>
+                      <a:r>
+                        <a:rPr lang="en-US" dirty="0">
+                          <a:solidFill>
+                            <a:srgbClr val="D8D8D8"/>
+                          </a:solidFill>
+                          <a:effectLst/>
+                          <a:latin typeface="inherit"/>
+                        </a:rPr>
+                        <a:t>)</a:t>
+                      </a:r>
+                      <a:endParaRPr lang="en-US" dirty="0">
+                        <a:solidFill>
+                          <a:srgbClr val="FFFFFF"/>
+                        </a:solidFill>
+                        <a:effectLst/>
+                        <a:latin typeface="inherit"/>
+                      </a:endParaRPr>
+                    </a:p>
+                    <a:p>
+                      <a:pPr algn="l" fontAlgn="t"/>
+                      <a:r>
+                        <a:rPr lang="en-US" dirty="0">
+                          <a:solidFill>
+                            <a:srgbClr val="FFFFFF"/>
+                          </a:solidFill>
+                          <a:effectLst/>
+                          <a:latin typeface="inherit"/>
+                        </a:rPr>
+                        <a:t> </a:t>
+                      </a:r>
+                    </a:p>
+                    <a:p>
+                      <a:pPr algn="l" fontAlgn="t"/>
+                      <a:r>
+                        <a:rPr lang="en-US" i="1" dirty="0">
+                          <a:solidFill>
+                            <a:srgbClr val="57A64A"/>
+                          </a:solidFill>
+                          <a:effectLst/>
+                          <a:latin typeface="inherit"/>
+                        </a:rPr>
+                        <a:t># </a:t>
+                      </a:r>
+                      <a:r>
+                        <a:rPr lang="uk-UA" i="1" dirty="0">
+                          <a:solidFill>
+                            <a:srgbClr val="57A64A"/>
+                          </a:solidFill>
+                          <a:effectLst/>
+                          <a:latin typeface="inherit"/>
+                        </a:rPr>
+                        <a:t>Виклик лямбда-функції</a:t>
+                      </a:r>
+                      <a:endParaRPr lang="uk-UA" dirty="0">
+                        <a:solidFill>
+                          <a:srgbClr val="FFFFFF"/>
+                        </a:solidFill>
+                        <a:effectLst/>
+                        <a:latin typeface="inherit"/>
+                      </a:endParaRPr>
+                    </a:p>
+                    <a:p>
+                      <a:pPr algn="l" fontAlgn="t"/>
+                      <a:r>
+                        <a:rPr lang="en-US" dirty="0" err="1">
+                          <a:solidFill>
+                            <a:srgbClr val="FF8000"/>
+                          </a:solidFill>
+                          <a:effectLst/>
+                          <a:latin typeface="inherit"/>
+                        </a:rPr>
+                        <a:t>greet_user</a:t>
+                      </a:r>
+                      <a:r>
+                        <a:rPr lang="en-US" dirty="0">
+                          <a:solidFill>
+                            <a:srgbClr val="D8D8D8"/>
+                          </a:solidFill>
+                          <a:effectLst/>
+                          <a:latin typeface="inherit"/>
+                        </a:rPr>
+                        <a:t>(</a:t>
+                      </a:r>
+                      <a:r>
+                        <a:rPr lang="en-US" dirty="0">
+                          <a:solidFill>
+                            <a:srgbClr val="D69D85"/>
+                          </a:solidFill>
+                          <a:effectLst/>
+                          <a:latin typeface="inherit"/>
+                        </a:rPr>
+                        <a:t>'Delilah'</a:t>
+                      </a:r>
+                      <a:r>
+                        <a:rPr lang="en-US" dirty="0">
+                          <a:solidFill>
+                            <a:srgbClr val="D8D8D8"/>
+                          </a:solidFill>
+                          <a:effectLst/>
+                          <a:latin typeface="inherit"/>
+                        </a:rPr>
+                        <a:t>)</a:t>
+                      </a:r>
+                      <a:endParaRPr lang="en-US" dirty="0">
+                        <a:solidFill>
+                          <a:srgbClr val="FFFFFF"/>
+                        </a:solidFill>
+                        <a:effectLst/>
+                        <a:latin typeface="inherit"/>
+                      </a:endParaRPr>
+                    </a:p>
+                  </a:txBody>
+                  <a:tcPr>
+                    <a:lnL w="7620" cap="flat" cmpd="sng" algn="ctr">
+                      <a:solidFill>
+                        <a:srgbClr val="8C8D8F"/>
+                      </a:solidFill>
+                      <a:prstDash val="solid"/>
+                      <a:round/>
+                      <a:headEnd type="none" w="med" len="med"/>
+                      <a:tailEnd type="none" w="med" len="med"/>
+                    </a:lnL>
+                    <a:lnR>
+                      <a:noFill/>
+                    </a:lnR>
+                    <a:lnT>
+                      <a:noFill/>
+                    </a:lnT>
+                    <a:lnB>
+                      <a:noFill/>
+                    </a:lnB>
+                    <a:solidFill>
+                      <a:srgbClr val="323232"/>
+                    </a:solidFill>
+                  </a:tcPr>
+                </a:tc>
+                <a:extLst>
+                  <a:ext uri="{0D108BD9-81ED-4DB2-BD59-A6C34878D82A}">
+                    <a16:rowId xmlns:a16="http://schemas.microsoft.com/office/drawing/2014/main" val="81780792"/>
+                  </a:ext>
+                </a:extLst>
+              </a:tr>
+            </a:tbl>
+          </a:graphicData>
+        </a:graphic>
+      </p:graphicFrame>
+      <p:sp>
+        <p:nvSpPr>
+          <p:cNvPr id="8" name="TextBox 7">
+            <a:extLst>
+              <a:ext uri="{FF2B5EF4-FFF2-40B4-BE49-F238E27FC236}">
+                <a16:creationId xmlns:a16="http://schemas.microsoft.com/office/drawing/2014/main" id="{CBC74912-EE1B-AA66-150D-761E80ADCDCA}"/>
+              </a:ext>
+            </a:extLst>
+          </p:cNvPr>
+          <p:cNvSpPr txBox="1"/>
+          <p:nvPr/>
+        </p:nvSpPr>
+        <p:spPr>
+          <a:xfrm>
+            <a:off x="304800" y="3244334"/>
+            <a:ext cx="6096000" cy="369332"/>
+          </a:xfrm>
+          <a:prstGeom prst="rect">
+            <a:avLst/>
+          </a:prstGeom>
+          <a:noFill/>
+        </p:spPr>
+        <p:txBody>
+          <a:bodyPr wrap="square">
+            <a:spAutoFit/>
+          </a:bodyPr>
+          <a:lstStyle/>
+          <a:p>
+            <a:r>
+              <a:rPr lang="uk-UA" b="0" i="0" dirty="0">
+                <a:solidFill>
+                  <a:srgbClr val="000000"/>
+                </a:solidFill>
+                <a:effectLst/>
+                <a:latin typeface="Open Sans" panose="020B0606030504020204" pitchFamily="34" charset="0"/>
+              </a:rPr>
+              <a:t>Результат:</a:t>
+            </a:r>
+            <a:endParaRPr lang="uk-UA" dirty="0"/>
+          </a:p>
+        </p:txBody>
+      </p:sp>
+      <p:sp>
+        <p:nvSpPr>
+          <p:cNvPr id="10" name="TextBox 9">
+            <a:extLst>
+              <a:ext uri="{FF2B5EF4-FFF2-40B4-BE49-F238E27FC236}">
+                <a16:creationId xmlns:a16="http://schemas.microsoft.com/office/drawing/2014/main" id="{1BBF6BBC-0D37-6FEE-B700-90D5B5BB0EED}"/>
+              </a:ext>
+            </a:extLst>
+          </p:cNvPr>
+          <p:cNvSpPr txBox="1"/>
+          <p:nvPr/>
+        </p:nvSpPr>
+        <p:spPr>
+          <a:xfrm>
+            <a:off x="309706" y="3710327"/>
+            <a:ext cx="6096000" cy="369332"/>
+          </a:xfrm>
+          <a:prstGeom prst="rect">
+            <a:avLst/>
+          </a:prstGeom>
+          <a:noFill/>
+        </p:spPr>
+        <p:txBody>
+          <a:bodyPr wrap="square">
+            <a:spAutoFit/>
+          </a:bodyPr>
+          <a:lstStyle/>
+          <a:p>
+            <a:r>
+              <a:rPr lang="en-US" b="0" i="0" dirty="0">
+                <a:solidFill>
+                  <a:srgbClr val="000000"/>
+                </a:solidFill>
+                <a:effectLst/>
+                <a:latin typeface="Courier New" panose="02070309020205020404" pitchFamily="49" charset="0"/>
+              </a:rPr>
+              <a:t>Hey there, Delilah</a:t>
+            </a:r>
+            <a:endParaRPr lang="uk-UA" dirty="0"/>
+          </a:p>
+        </p:txBody>
+      </p:sp>
+      <p:sp>
+        <p:nvSpPr>
+          <p:cNvPr id="13" name="TextBox 12">
+            <a:extLst>
+              <a:ext uri="{FF2B5EF4-FFF2-40B4-BE49-F238E27FC236}">
+                <a16:creationId xmlns:a16="http://schemas.microsoft.com/office/drawing/2014/main" id="{09BAC22D-AF3F-5BE0-552D-5C127BD49A71}"/>
+              </a:ext>
+            </a:extLst>
+          </p:cNvPr>
+          <p:cNvSpPr txBox="1"/>
+          <p:nvPr/>
+        </p:nvSpPr>
+        <p:spPr>
+          <a:xfrm>
+            <a:off x="304800" y="4176320"/>
+            <a:ext cx="6096000" cy="1323439"/>
+          </a:xfrm>
+          <a:prstGeom prst="rect">
+            <a:avLst/>
+          </a:prstGeom>
+          <a:noFill/>
+        </p:spPr>
+        <p:txBody>
+          <a:bodyPr wrap="square">
+            <a:spAutoFit/>
+          </a:bodyPr>
+          <a:lstStyle/>
+          <a:p>
+            <a:r>
+              <a:rPr lang="uk-UA" sz="2000" dirty="0"/>
+              <a:t>Тут ми присвоїли лямбда-функцію змінній </a:t>
+            </a:r>
+            <a:r>
+              <a:rPr lang="uk-UA" sz="2000" dirty="0" err="1"/>
+              <a:t>greet_user</a:t>
+            </a:r>
+            <a:r>
+              <a:rPr lang="uk-UA" sz="2000" dirty="0"/>
+              <a:t>. </a:t>
+            </a:r>
+            <a:r>
+              <a:rPr lang="uk-UA" sz="2000" dirty="0" err="1"/>
+              <a:t>name</a:t>
+            </a:r>
+            <a:r>
+              <a:rPr lang="uk-UA" sz="2000" dirty="0"/>
+              <a:t> після ключового слова </a:t>
+            </a:r>
+            <a:r>
+              <a:rPr lang="uk-UA" sz="2000" dirty="0" err="1"/>
+              <a:t>lambda</a:t>
+            </a:r>
+            <a:r>
+              <a:rPr lang="uk-UA" sz="2000" dirty="0"/>
+              <a:t> вказує на те, що лямбда-функція приймає аргумент з іменем </a:t>
+            </a:r>
+            <a:r>
+              <a:rPr lang="uk-UA" sz="2000" dirty="0" err="1"/>
+              <a:t>name</a:t>
+            </a:r>
+            <a:r>
+              <a:rPr lang="uk-UA" sz="2000" dirty="0"/>
+              <a:t>.</a:t>
+            </a:r>
+          </a:p>
+        </p:txBody>
+      </p:sp>
+    </p:spTree>
+    <p:extLst>
+      <p:ext uri="{BB962C8B-B14F-4D97-AF65-F5344CB8AC3E}">
+        <p14:creationId xmlns:p14="http://schemas.microsoft.com/office/powerpoint/2010/main" val="3223191814"/>
+      </p:ext>
+    </p:extLst>
+  </p:cSld>
+  <p:clrMapOvr>
+    <a:masterClrMapping/>
+  </p:clrMapOvr>
+</p:sld>
+</file>
+
+<file path=ppt/slides/slide5.xml><?xml version="1.0" encoding="utf-8"?>
+<p:sld xmlns:a="http://schemas.openxmlformats.org/drawingml/2006/main" xmlns:r="http://schemas.openxmlformats.org/officeDocument/2006/relationships" xmlns:p="http://schemas.openxmlformats.org/presentationml/2006/main">
+  <p:cSld>
+    <p:spTree>
+      <p:nvGrpSpPr>
+        <p:cNvPr id="1" name=""/>
+        <p:cNvGrpSpPr/>
+        <p:nvPr/>
+      </p:nvGrpSpPr>
+      <p:grpSpPr>
+        <a:xfrm>
+          <a:off x="0" y="0"/>
+          <a:ext cx="0" cy="0"/>
+          <a:chOff x="0" y="0"/>
+          <a:chExt cx="0" cy="0"/>
+        </a:xfrm>
+      </p:grpSpPr>
+      <p:sp>
+        <p:nvSpPr>
+          <p:cNvPr id="3" name="TextBox 2">
+            <a:extLst>
+              <a:ext uri="{FF2B5EF4-FFF2-40B4-BE49-F238E27FC236}">
+                <a16:creationId xmlns:a16="http://schemas.microsoft.com/office/drawing/2014/main" id="{E5B474DF-504F-FEA5-ACB4-7164BAF3FE69}"/>
+              </a:ext>
+            </a:extLst>
+          </p:cNvPr>
+          <p:cNvSpPr txBox="1"/>
+          <p:nvPr/>
+        </p:nvSpPr>
+        <p:spPr>
+          <a:xfrm>
+            <a:off x="0" y="98774"/>
+            <a:ext cx="12192000" cy="707886"/>
+          </a:xfrm>
+          <a:prstGeom prst="rect">
+            <a:avLst/>
+          </a:prstGeom>
+          <a:noFill/>
+        </p:spPr>
+        <p:txBody>
+          <a:bodyPr wrap="square">
+            <a:spAutoFit/>
+          </a:bodyPr>
+          <a:lstStyle/>
+          <a:p>
+            <a:pPr algn="ctr"/>
+            <a:r>
+              <a:rPr lang="ru-RU" sz="4000" b="1" i="0" dirty="0">
+                <a:solidFill>
+                  <a:srgbClr val="000000"/>
+                </a:solidFill>
+                <a:effectLst/>
+                <a:latin typeface="Segoe UI" panose="020B0502040204020203" pitchFamily="34" charset="0"/>
+              </a:rPr>
+              <a:t>Як </a:t>
+            </a:r>
+            <a:r>
+              <a:rPr lang="ru-RU" sz="4000" b="1" i="0" dirty="0" err="1">
+                <a:solidFill>
+                  <a:srgbClr val="000000"/>
+                </a:solidFill>
+                <a:effectLst/>
+                <a:latin typeface="Segoe UI" panose="020B0502040204020203" pitchFamily="34" charset="0"/>
+              </a:rPr>
+              <a:t>використовувати</a:t>
+            </a:r>
+            <a:r>
+              <a:rPr lang="ru-RU" sz="4000" b="1" i="0" dirty="0">
+                <a:solidFill>
+                  <a:srgbClr val="000000"/>
+                </a:solidFill>
+                <a:effectLst/>
+                <a:latin typeface="Segoe UI" panose="020B0502040204020203" pitchFamily="34" charset="0"/>
+              </a:rPr>
+              <a:t> лямбда-</a:t>
+            </a:r>
+            <a:r>
+              <a:rPr lang="ru-RU" sz="4000" b="1" i="0" dirty="0" err="1">
+                <a:solidFill>
+                  <a:srgbClr val="000000"/>
+                </a:solidFill>
+                <a:effectLst/>
+                <a:latin typeface="Segoe UI" panose="020B0502040204020203" pitchFamily="34" charset="0"/>
+              </a:rPr>
+              <a:t>функцію</a:t>
+            </a:r>
+            <a:r>
+              <a:rPr lang="ru-RU" sz="4000" b="1" i="0" dirty="0">
+                <a:solidFill>
+                  <a:srgbClr val="000000"/>
+                </a:solidFill>
+                <a:effectLst/>
+                <a:latin typeface="Segoe UI" panose="020B0502040204020203" pitchFamily="34" charset="0"/>
+              </a:rPr>
+              <a:t> з </a:t>
+            </a:r>
+            <a:r>
+              <a:rPr lang="ru-RU" sz="4000" b="1" i="0" dirty="0" err="1">
+                <a:solidFill>
+                  <a:srgbClr val="000000"/>
+                </a:solidFill>
+                <a:effectLst/>
+                <a:latin typeface="Segoe UI" panose="020B0502040204020203" pitchFamily="34" charset="0"/>
+              </a:rPr>
+              <a:t>filter</a:t>
+            </a:r>
+            <a:r>
+              <a:rPr lang="ru-RU" sz="4000" b="1" i="0" dirty="0">
+                <a:solidFill>
+                  <a:srgbClr val="000000"/>
+                </a:solidFill>
+                <a:effectLst/>
+                <a:latin typeface="Segoe UI" panose="020B0502040204020203" pitchFamily="34" charset="0"/>
+              </a:rPr>
+              <a:t>()?</a:t>
+            </a:r>
+          </a:p>
+        </p:txBody>
+      </p:sp>
+      <p:sp>
+        <p:nvSpPr>
+          <p:cNvPr id="5" name="TextBox 4">
+            <a:extLst>
+              <a:ext uri="{FF2B5EF4-FFF2-40B4-BE49-F238E27FC236}">
+                <a16:creationId xmlns:a16="http://schemas.microsoft.com/office/drawing/2014/main" id="{DD973B91-6599-EEB1-5BA5-E87BC32A3803}"/>
+              </a:ext>
+            </a:extLst>
+          </p:cNvPr>
+          <p:cNvSpPr txBox="1"/>
+          <p:nvPr/>
+        </p:nvSpPr>
+        <p:spPr>
+          <a:xfrm>
+            <a:off x="329381" y="918072"/>
+            <a:ext cx="6184490" cy="1477328"/>
+          </a:xfrm>
+          <a:prstGeom prst="rect">
+            <a:avLst/>
+          </a:prstGeom>
+          <a:noFill/>
+        </p:spPr>
+        <p:txBody>
+          <a:bodyPr wrap="square">
+            <a:spAutoFit/>
+          </a:bodyPr>
+          <a:lstStyle/>
+          <a:p>
+            <a:r>
+              <a:rPr lang="uk-UA" dirty="0"/>
+              <a:t>Функція </a:t>
+            </a:r>
+            <a:r>
+              <a:rPr lang="uk-UA" dirty="0" err="1"/>
+              <a:t>filter</a:t>
+            </a:r>
+            <a:r>
+              <a:rPr lang="uk-UA" dirty="0"/>
+              <a:t>() в </a:t>
+            </a:r>
+            <a:r>
+              <a:rPr lang="uk-UA" dirty="0" err="1"/>
+              <a:t>Python</a:t>
+            </a:r>
+            <a:r>
+              <a:rPr lang="uk-UA" dirty="0"/>
+              <a:t> приймає функцію та </a:t>
+            </a:r>
+            <a:r>
+              <a:rPr lang="uk-UA" dirty="0" err="1"/>
+              <a:t>ітерований</a:t>
+            </a:r>
+            <a:r>
+              <a:rPr lang="uk-UA" dirty="0"/>
+              <a:t> об’єкт (списки, кортежі та рядки) як аргументи. Функція викликається зі всіма елементами в списку, і повертається новий список, що містить елементи, для яких функція визначила значення </a:t>
+            </a:r>
+            <a:r>
+              <a:rPr lang="uk-UA" dirty="0" err="1"/>
+              <a:t>True</a:t>
+            </a:r>
+            <a:r>
+              <a:rPr lang="uk-UA" dirty="0"/>
+              <a:t>. Наприклад:</a:t>
+            </a:r>
+          </a:p>
+        </p:txBody>
+      </p:sp>
+      <p:graphicFrame>
+        <p:nvGraphicFramePr>
+          <p:cNvPr id="6" name="Таблица 5">
+            <a:extLst>
+              <a:ext uri="{FF2B5EF4-FFF2-40B4-BE49-F238E27FC236}">
+                <a16:creationId xmlns:a16="http://schemas.microsoft.com/office/drawing/2014/main" id="{76148AF4-CB6E-4675-A18A-80A55B9BCD9D}"/>
+              </a:ext>
+            </a:extLst>
+          </p:cNvPr>
+          <p:cNvGraphicFramePr>
+            <a:graphicFrameLocks noGrp="1"/>
+          </p:cNvGraphicFramePr>
+          <p:nvPr>
+            <p:extLst>
+              <p:ext uri="{D42A27DB-BD31-4B8C-83A1-F6EECF244321}">
+                <p14:modId xmlns:p14="http://schemas.microsoft.com/office/powerpoint/2010/main" val="4121072922"/>
+              </p:ext>
+            </p:extLst>
+          </p:nvPr>
+        </p:nvGraphicFramePr>
+        <p:xfrm>
+          <a:off x="329381" y="2506812"/>
+          <a:ext cx="7895283" cy="1737360"/>
+        </p:xfrm>
+        <a:graphic>
+          <a:graphicData uri="http://schemas.openxmlformats.org/drawingml/2006/table">
+            <a:tbl>
+              <a:tblPr/>
+              <a:tblGrid>
+                <a:gridCol w="279946">
+                  <a:extLst>
+                    <a:ext uri="{9D8B030D-6E8A-4147-A177-3AD203B41FA5}">
+                      <a16:colId xmlns:a16="http://schemas.microsoft.com/office/drawing/2014/main" val="1107663782"/>
+                    </a:ext>
+                  </a:extLst>
+                </a:gridCol>
+                <a:gridCol w="7615337">
+                  <a:extLst>
+                    <a:ext uri="{9D8B030D-6E8A-4147-A177-3AD203B41FA5}">
+                      <a16:colId xmlns:a16="http://schemas.microsoft.com/office/drawing/2014/main" val="2361298542"/>
+                    </a:ext>
+                  </a:extLst>
+                </a:gridCol>
+              </a:tblGrid>
+              <a:tr h="0">
+                <a:tc>
+                  <a:txBody>
+                    <a:bodyPr/>
+                    <a:lstStyle/>
+                    <a:p>
+                      <a:pPr algn="ctr" fontAlgn="t"/>
+                      <a:r>
+                        <a:rPr lang="uk-UA">
+                          <a:solidFill>
+                            <a:srgbClr val="C2C2C2"/>
+                          </a:solidFill>
+                          <a:effectLst/>
+                          <a:latin typeface="inherit"/>
+                        </a:rPr>
+                        <a:t>1</a:t>
+                      </a:r>
+                    </a:p>
+                    <a:p>
+                      <a:pPr algn="ctr" fontAlgn="t"/>
+                      <a:r>
+                        <a:rPr lang="uk-UA">
+                          <a:solidFill>
+                            <a:srgbClr val="C2C2C2"/>
+                          </a:solidFill>
+                          <a:effectLst/>
+                          <a:latin typeface="inherit"/>
+                        </a:rPr>
+                        <a:t>2</a:t>
+                      </a:r>
+                    </a:p>
+                    <a:p>
+                      <a:pPr algn="ctr" fontAlgn="t"/>
+                      <a:r>
+                        <a:rPr lang="uk-UA">
+                          <a:solidFill>
+                            <a:srgbClr val="C2C2C2"/>
+                          </a:solidFill>
+                          <a:effectLst/>
+                          <a:latin typeface="inherit"/>
+                        </a:rPr>
+                        <a:t>3</a:t>
+                      </a:r>
+                    </a:p>
+                    <a:p>
+                      <a:pPr algn="ctr" fontAlgn="t"/>
+                      <a:r>
+                        <a:rPr lang="uk-UA">
+                          <a:solidFill>
+                            <a:srgbClr val="C2C2C2"/>
+                          </a:solidFill>
+                          <a:effectLst/>
+                          <a:latin typeface="inherit"/>
+                        </a:rPr>
+                        <a:t>4</a:t>
+                      </a:r>
+                    </a:p>
+                    <a:p>
+                      <a:pPr algn="ctr" fontAlgn="t"/>
+                      <a:r>
+                        <a:rPr lang="uk-UA">
+                          <a:solidFill>
+                            <a:srgbClr val="C2C2C2"/>
+                          </a:solidFill>
+                          <a:effectLst/>
+                          <a:latin typeface="inherit"/>
+                        </a:rPr>
+                        <a:t>5</a:t>
+                      </a:r>
+                    </a:p>
+                    <a:p>
+                      <a:pPr algn="ctr" fontAlgn="t"/>
+                      <a:r>
+                        <a:rPr lang="uk-UA">
+                          <a:solidFill>
+                            <a:srgbClr val="C2C2C2"/>
+                          </a:solidFill>
+                          <a:effectLst/>
+                          <a:latin typeface="inherit"/>
+                        </a:rPr>
+                        <a:t>6</a:t>
+                      </a:r>
+                    </a:p>
+                  </a:txBody>
+                  <a:tcPr>
+                    <a:lnL>
+                      <a:noFill/>
+                    </a:lnL>
+                    <a:lnR w="7620" cap="flat" cmpd="sng" algn="ctr">
+                      <a:solidFill>
+                        <a:srgbClr val="8C8D8F"/>
+                      </a:solidFill>
+                      <a:prstDash val="solid"/>
+                      <a:round/>
+                      <a:headEnd type="none" w="med" len="med"/>
+                      <a:tailEnd type="none" w="med" len="med"/>
+                    </a:lnR>
+                    <a:lnT>
+                      <a:noFill/>
+                    </a:lnT>
+                    <a:lnB>
+                      <a:noFill/>
+                    </a:lnB>
+                    <a:solidFill>
+                      <a:srgbClr val="303030"/>
+                    </a:solidFill>
+                  </a:tcPr>
+                </a:tc>
+                <a:tc>
+                  <a:txBody>
+                    <a:bodyPr/>
+                    <a:lstStyle/>
+                    <a:p>
+                      <a:pPr algn="l" fontAlgn="t"/>
+                      <a:r>
+                        <a:rPr lang="uk-UA" i="1" dirty="0">
+                          <a:solidFill>
+                            <a:srgbClr val="57A64A"/>
+                          </a:solidFill>
+                          <a:effectLst/>
+                          <a:latin typeface="inherit"/>
+                        </a:rPr>
+                        <a:t># Програма фільтрації лише парних елементів зі списку</a:t>
+                      </a:r>
+                      <a:endParaRPr lang="uk-UA" dirty="0">
+                        <a:solidFill>
+                          <a:srgbClr val="FFFFFF"/>
+                        </a:solidFill>
+                        <a:effectLst/>
+                        <a:latin typeface="inherit"/>
+                      </a:endParaRPr>
+                    </a:p>
+                    <a:p>
+                      <a:pPr algn="l" fontAlgn="t"/>
+                      <a:r>
+                        <a:rPr lang="en-US" dirty="0" err="1">
+                          <a:solidFill>
+                            <a:srgbClr val="BDB76B"/>
+                          </a:solidFill>
+                          <a:effectLst/>
+                          <a:latin typeface="inherit"/>
+                        </a:rPr>
+                        <a:t>my_list</a:t>
+                      </a:r>
+                      <a:r>
+                        <a:rPr lang="en-US" dirty="0">
+                          <a:solidFill>
+                            <a:srgbClr val="006FE0"/>
+                          </a:solidFill>
+                          <a:effectLst/>
+                          <a:latin typeface="inherit"/>
+                        </a:rPr>
+                        <a:t> </a:t>
+                      </a:r>
+                      <a:r>
+                        <a:rPr lang="en-US" dirty="0">
+                          <a:solidFill>
+                            <a:srgbClr val="DADADA"/>
+                          </a:solidFill>
+                          <a:effectLst/>
+                          <a:latin typeface="inherit"/>
+                        </a:rPr>
+                        <a:t>=</a:t>
+                      </a:r>
+                      <a:r>
+                        <a:rPr lang="en-US" dirty="0">
+                          <a:solidFill>
+                            <a:srgbClr val="006FE0"/>
+                          </a:solidFill>
+                          <a:effectLst/>
+                          <a:latin typeface="inherit"/>
+                        </a:rPr>
+                        <a:t> </a:t>
+                      </a:r>
+                      <a:r>
+                        <a:rPr lang="en-US" dirty="0">
+                          <a:solidFill>
+                            <a:srgbClr val="D8D8D8"/>
+                          </a:solidFill>
+                          <a:effectLst/>
+                          <a:latin typeface="inherit"/>
+                        </a:rPr>
+                        <a:t>[</a:t>
+                      </a:r>
+                      <a:r>
+                        <a:rPr lang="en-US" dirty="0">
+                          <a:solidFill>
+                            <a:srgbClr val="E7A37A"/>
+                          </a:solidFill>
+                          <a:effectLst/>
+                          <a:latin typeface="inherit"/>
+                        </a:rPr>
+                        <a:t>1</a:t>
+                      </a:r>
+                      <a:r>
+                        <a:rPr lang="en-US" dirty="0">
+                          <a:solidFill>
+                            <a:srgbClr val="D8D8D8"/>
+                          </a:solidFill>
+                          <a:effectLst/>
+                          <a:latin typeface="inherit"/>
+                        </a:rPr>
+                        <a:t>,</a:t>
+                      </a:r>
+                      <a:r>
+                        <a:rPr lang="en-US" dirty="0">
+                          <a:solidFill>
+                            <a:srgbClr val="006FE0"/>
+                          </a:solidFill>
+                          <a:effectLst/>
+                          <a:latin typeface="inherit"/>
+                        </a:rPr>
+                        <a:t> </a:t>
+                      </a:r>
+                      <a:r>
+                        <a:rPr lang="en-US" dirty="0">
+                          <a:solidFill>
+                            <a:srgbClr val="E7A37A"/>
+                          </a:solidFill>
+                          <a:effectLst/>
+                          <a:latin typeface="inherit"/>
+                        </a:rPr>
+                        <a:t>5</a:t>
+                      </a:r>
+                      <a:r>
+                        <a:rPr lang="en-US" dirty="0">
+                          <a:solidFill>
+                            <a:srgbClr val="D8D8D8"/>
+                          </a:solidFill>
+                          <a:effectLst/>
+                          <a:latin typeface="inherit"/>
+                        </a:rPr>
+                        <a:t>,</a:t>
+                      </a:r>
+                      <a:r>
+                        <a:rPr lang="en-US" dirty="0">
+                          <a:solidFill>
+                            <a:srgbClr val="006FE0"/>
+                          </a:solidFill>
+                          <a:effectLst/>
+                          <a:latin typeface="inherit"/>
+                        </a:rPr>
+                        <a:t> </a:t>
+                      </a:r>
+                      <a:r>
+                        <a:rPr lang="en-US" dirty="0">
+                          <a:solidFill>
+                            <a:srgbClr val="E7A37A"/>
+                          </a:solidFill>
+                          <a:effectLst/>
+                          <a:latin typeface="inherit"/>
+                        </a:rPr>
+                        <a:t>4</a:t>
+                      </a:r>
+                      <a:r>
+                        <a:rPr lang="en-US" dirty="0">
+                          <a:solidFill>
+                            <a:srgbClr val="D8D8D8"/>
+                          </a:solidFill>
+                          <a:effectLst/>
+                          <a:latin typeface="inherit"/>
+                        </a:rPr>
+                        <a:t>,</a:t>
+                      </a:r>
+                      <a:r>
+                        <a:rPr lang="en-US" dirty="0">
+                          <a:solidFill>
+                            <a:srgbClr val="006FE0"/>
+                          </a:solidFill>
+                          <a:effectLst/>
+                          <a:latin typeface="inherit"/>
+                        </a:rPr>
+                        <a:t> </a:t>
+                      </a:r>
+                      <a:r>
+                        <a:rPr lang="en-US" dirty="0">
+                          <a:solidFill>
+                            <a:srgbClr val="E7A37A"/>
+                          </a:solidFill>
+                          <a:effectLst/>
+                          <a:latin typeface="inherit"/>
+                        </a:rPr>
+                        <a:t>6</a:t>
+                      </a:r>
+                      <a:r>
+                        <a:rPr lang="en-US" dirty="0">
+                          <a:solidFill>
+                            <a:srgbClr val="D8D8D8"/>
+                          </a:solidFill>
+                          <a:effectLst/>
+                          <a:latin typeface="inherit"/>
+                        </a:rPr>
+                        <a:t>,</a:t>
+                      </a:r>
+                      <a:r>
+                        <a:rPr lang="en-US" dirty="0">
+                          <a:solidFill>
+                            <a:srgbClr val="006FE0"/>
+                          </a:solidFill>
+                          <a:effectLst/>
+                          <a:latin typeface="inherit"/>
+                        </a:rPr>
+                        <a:t> </a:t>
+                      </a:r>
+                      <a:r>
+                        <a:rPr lang="en-US" dirty="0">
+                          <a:solidFill>
+                            <a:srgbClr val="E7A37A"/>
+                          </a:solidFill>
+                          <a:effectLst/>
+                          <a:latin typeface="inherit"/>
+                        </a:rPr>
+                        <a:t>8</a:t>
+                      </a:r>
+                      <a:r>
+                        <a:rPr lang="en-US" dirty="0">
+                          <a:solidFill>
+                            <a:srgbClr val="D8D8D8"/>
+                          </a:solidFill>
+                          <a:effectLst/>
+                          <a:latin typeface="inherit"/>
+                        </a:rPr>
+                        <a:t>,</a:t>
+                      </a:r>
+                      <a:r>
+                        <a:rPr lang="en-US" dirty="0">
+                          <a:solidFill>
+                            <a:srgbClr val="006FE0"/>
+                          </a:solidFill>
+                          <a:effectLst/>
+                          <a:latin typeface="inherit"/>
+                        </a:rPr>
+                        <a:t> </a:t>
+                      </a:r>
+                      <a:r>
+                        <a:rPr lang="en-US" dirty="0">
+                          <a:solidFill>
+                            <a:srgbClr val="E7A37A"/>
+                          </a:solidFill>
+                          <a:effectLst/>
+                          <a:latin typeface="inherit"/>
+                        </a:rPr>
+                        <a:t>11</a:t>
+                      </a:r>
+                      <a:r>
+                        <a:rPr lang="en-US" dirty="0">
+                          <a:solidFill>
+                            <a:srgbClr val="D8D8D8"/>
+                          </a:solidFill>
+                          <a:effectLst/>
+                          <a:latin typeface="inherit"/>
+                        </a:rPr>
+                        <a:t>,</a:t>
+                      </a:r>
+                      <a:r>
+                        <a:rPr lang="en-US" dirty="0">
+                          <a:solidFill>
+                            <a:srgbClr val="006FE0"/>
+                          </a:solidFill>
+                          <a:effectLst/>
+                          <a:latin typeface="inherit"/>
+                        </a:rPr>
+                        <a:t> </a:t>
+                      </a:r>
+                      <a:r>
+                        <a:rPr lang="en-US" dirty="0">
+                          <a:solidFill>
+                            <a:srgbClr val="E7A37A"/>
+                          </a:solidFill>
+                          <a:effectLst/>
+                          <a:latin typeface="inherit"/>
+                        </a:rPr>
+                        <a:t>3</a:t>
+                      </a:r>
+                      <a:r>
+                        <a:rPr lang="en-US" dirty="0">
+                          <a:solidFill>
+                            <a:srgbClr val="D8D8D8"/>
+                          </a:solidFill>
+                          <a:effectLst/>
+                          <a:latin typeface="inherit"/>
+                        </a:rPr>
+                        <a:t>,</a:t>
+                      </a:r>
+                      <a:r>
+                        <a:rPr lang="en-US" dirty="0">
+                          <a:solidFill>
+                            <a:srgbClr val="006FE0"/>
+                          </a:solidFill>
+                          <a:effectLst/>
+                          <a:latin typeface="inherit"/>
+                        </a:rPr>
+                        <a:t> </a:t>
+                      </a:r>
+                      <a:r>
+                        <a:rPr lang="en-US" dirty="0">
+                          <a:solidFill>
+                            <a:srgbClr val="E7A37A"/>
+                          </a:solidFill>
+                          <a:effectLst/>
+                          <a:latin typeface="inherit"/>
+                        </a:rPr>
+                        <a:t>12</a:t>
+                      </a:r>
+                      <a:r>
+                        <a:rPr lang="en-US" dirty="0">
+                          <a:solidFill>
+                            <a:srgbClr val="D8D8D8"/>
+                          </a:solidFill>
+                          <a:effectLst/>
+                          <a:latin typeface="inherit"/>
+                        </a:rPr>
+                        <a:t>]</a:t>
+                      </a:r>
+                      <a:endParaRPr lang="en-US" dirty="0">
+                        <a:solidFill>
+                          <a:srgbClr val="FFFFFF"/>
+                        </a:solidFill>
+                        <a:effectLst/>
+                        <a:latin typeface="inherit"/>
+                      </a:endParaRPr>
+                    </a:p>
+                    <a:p>
+                      <a:pPr algn="l" fontAlgn="t"/>
+                      <a:r>
+                        <a:rPr lang="en-US" dirty="0">
+                          <a:solidFill>
+                            <a:srgbClr val="FFFFFF"/>
+                          </a:solidFill>
+                          <a:effectLst/>
+                          <a:latin typeface="inherit"/>
+                        </a:rPr>
+                        <a:t> </a:t>
+                      </a:r>
+                    </a:p>
+                    <a:p>
+                      <a:pPr algn="l" fontAlgn="t"/>
+                      <a:r>
+                        <a:rPr lang="en-US" dirty="0" err="1">
+                          <a:solidFill>
+                            <a:srgbClr val="BDB76B"/>
+                          </a:solidFill>
+                          <a:effectLst/>
+                          <a:latin typeface="inherit"/>
+                        </a:rPr>
+                        <a:t>new_list</a:t>
+                      </a:r>
+                      <a:r>
+                        <a:rPr lang="en-US" dirty="0">
+                          <a:solidFill>
+                            <a:srgbClr val="006FE0"/>
+                          </a:solidFill>
+                          <a:effectLst/>
+                          <a:latin typeface="inherit"/>
+                        </a:rPr>
+                        <a:t> </a:t>
+                      </a:r>
+                      <a:r>
+                        <a:rPr lang="en-US" dirty="0">
+                          <a:solidFill>
+                            <a:srgbClr val="DADADA"/>
+                          </a:solidFill>
+                          <a:effectLst/>
+                          <a:latin typeface="inherit"/>
+                        </a:rPr>
+                        <a:t>=</a:t>
+                      </a:r>
+                      <a:r>
+                        <a:rPr lang="en-US" dirty="0">
+                          <a:solidFill>
+                            <a:srgbClr val="006FE0"/>
+                          </a:solidFill>
+                          <a:effectLst/>
+                          <a:latin typeface="inherit"/>
+                        </a:rPr>
+                        <a:t> </a:t>
+                      </a:r>
+                      <a:r>
+                        <a:rPr lang="en-US" dirty="0">
+                          <a:solidFill>
+                            <a:srgbClr val="569CD6"/>
+                          </a:solidFill>
+                          <a:effectLst/>
+                          <a:latin typeface="inherit"/>
+                        </a:rPr>
+                        <a:t>list</a:t>
+                      </a:r>
+                      <a:r>
+                        <a:rPr lang="en-US" dirty="0">
+                          <a:solidFill>
+                            <a:srgbClr val="D8D8D8"/>
+                          </a:solidFill>
+                          <a:effectLst/>
+                          <a:latin typeface="inherit"/>
+                        </a:rPr>
+                        <a:t>(</a:t>
+                      </a:r>
+                      <a:r>
+                        <a:rPr lang="en-US" dirty="0">
+                          <a:solidFill>
+                            <a:srgbClr val="569CD6"/>
+                          </a:solidFill>
+                          <a:effectLst/>
+                          <a:latin typeface="inherit"/>
+                        </a:rPr>
+                        <a:t>filter</a:t>
+                      </a:r>
+                      <a:r>
+                        <a:rPr lang="en-US" dirty="0">
+                          <a:solidFill>
+                            <a:srgbClr val="D8D8D8"/>
+                          </a:solidFill>
+                          <a:effectLst/>
+                          <a:latin typeface="inherit"/>
+                        </a:rPr>
+                        <a:t>(</a:t>
+                      </a:r>
+                      <a:r>
+                        <a:rPr lang="en-US" dirty="0">
+                          <a:solidFill>
+                            <a:srgbClr val="F4BB15"/>
+                          </a:solidFill>
+                          <a:effectLst/>
+                          <a:latin typeface="inherit"/>
+                        </a:rPr>
+                        <a:t>lambda</a:t>
+                      </a:r>
+                      <a:r>
+                        <a:rPr lang="en-US" dirty="0">
+                          <a:solidFill>
+                            <a:srgbClr val="006FE0"/>
+                          </a:solidFill>
+                          <a:effectLst/>
+                          <a:latin typeface="inherit"/>
+                        </a:rPr>
+                        <a:t> </a:t>
+                      </a:r>
+                      <a:r>
+                        <a:rPr lang="en-US" dirty="0">
+                          <a:solidFill>
+                            <a:srgbClr val="BDB76B"/>
+                          </a:solidFill>
+                          <a:effectLst/>
+                          <a:latin typeface="inherit"/>
+                        </a:rPr>
+                        <a:t>x</a:t>
+                      </a:r>
+                      <a:r>
+                        <a:rPr lang="en-US" dirty="0">
+                          <a:solidFill>
+                            <a:srgbClr val="DADADA"/>
+                          </a:solidFill>
+                          <a:effectLst/>
+                          <a:latin typeface="inherit"/>
+                        </a:rPr>
+                        <a:t>:</a:t>
+                      </a:r>
+                      <a:r>
+                        <a:rPr lang="en-US" dirty="0">
+                          <a:solidFill>
+                            <a:srgbClr val="006FE0"/>
+                          </a:solidFill>
+                          <a:effectLst/>
+                          <a:latin typeface="inherit"/>
+                        </a:rPr>
+                        <a:t> </a:t>
+                      </a:r>
+                      <a:r>
+                        <a:rPr lang="en-US" dirty="0">
+                          <a:solidFill>
+                            <a:srgbClr val="D8D8D8"/>
+                          </a:solidFill>
+                          <a:effectLst/>
+                          <a:latin typeface="inherit"/>
+                        </a:rPr>
+                        <a:t>(</a:t>
+                      </a:r>
+                      <a:r>
+                        <a:rPr lang="en-US" dirty="0">
+                          <a:solidFill>
+                            <a:srgbClr val="BDB76B"/>
+                          </a:solidFill>
+                          <a:effectLst/>
+                          <a:latin typeface="inherit"/>
+                        </a:rPr>
+                        <a:t>x</a:t>
+                      </a:r>
+                      <a:r>
+                        <a:rPr lang="en-US" dirty="0">
+                          <a:solidFill>
+                            <a:srgbClr val="DADADA"/>
+                          </a:solidFill>
+                          <a:effectLst/>
+                          <a:latin typeface="inherit"/>
+                        </a:rPr>
+                        <a:t>%</a:t>
+                      </a:r>
+                      <a:r>
+                        <a:rPr lang="en-US" dirty="0">
+                          <a:solidFill>
+                            <a:srgbClr val="E7A37A"/>
+                          </a:solidFill>
+                          <a:effectLst/>
+                          <a:latin typeface="inherit"/>
+                        </a:rPr>
+                        <a:t>2</a:t>
+                      </a:r>
+                      <a:r>
+                        <a:rPr lang="en-US" dirty="0">
+                          <a:solidFill>
+                            <a:srgbClr val="006FE0"/>
+                          </a:solidFill>
+                          <a:effectLst/>
+                          <a:latin typeface="inherit"/>
+                        </a:rPr>
+                        <a:t> </a:t>
+                      </a:r>
+                      <a:r>
+                        <a:rPr lang="en-US" dirty="0">
+                          <a:solidFill>
+                            <a:srgbClr val="DADADA"/>
+                          </a:solidFill>
+                          <a:effectLst/>
+                          <a:latin typeface="inherit"/>
+                        </a:rPr>
+                        <a:t>==</a:t>
+                      </a:r>
+                      <a:r>
+                        <a:rPr lang="en-US" dirty="0">
+                          <a:solidFill>
+                            <a:srgbClr val="006FE0"/>
+                          </a:solidFill>
+                          <a:effectLst/>
+                          <a:latin typeface="inherit"/>
+                        </a:rPr>
+                        <a:t> </a:t>
+                      </a:r>
+                      <a:r>
+                        <a:rPr lang="en-US" dirty="0">
+                          <a:solidFill>
+                            <a:srgbClr val="E7A37A"/>
+                          </a:solidFill>
+                          <a:effectLst/>
+                          <a:latin typeface="inherit"/>
+                        </a:rPr>
+                        <a:t>0</a:t>
+                      </a:r>
+                      <a:r>
+                        <a:rPr lang="en-US" dirty="0">
+                          <a:solidFill>
+                            <a:srgbClr val="D8D8D8"/>
+                          </a:solidFill>
+                          <a:effectLst/>
+                          <a:latin typeface="inherit"/>
+                        </a:rPr>
+                        <a:t>)</a:t>
+                      </a:r>
+                      <a:r>
+                        <a:rPr lang="en-US" dirty="0">
+                          <a:solidFill>
+                            <a:srgbClr val="006FE0"/>
+                          </a:solidFill>
+                          <a:effectLst/>
+                          <a:latin typeface="inherit"/>
+                        </a:rPr>
+                        <a:t> </a:t>
+                      </a:r>
+                      <a:r>
+                        <a:rPr lang="en-US" dirty="0">
+                          <a:solidFill>
+                            <a:srgbClr val="D8D8D8"/>
+                          </a:solidFill>
+                          <a:effectLst/>
+                          <a:latin typeface="inherit"/>
+                        </a:rPr>
+                        <a:t>,</a:t>
+                      </a:r>
+                      <a:r>
+                        <a:rPr lang="en-US" dirty="0">
+                          <a:solidFill>
+                            <a:srgbClr val="006FE0"/>
+                          </a:solidFill>
+                          <a:effectLst/>
+                          <a:latin typeface="inherit"/>
+                        </a:rPr>
+                        <a:t> </a:t>
+                      </a:r>
+                      <a:r>
+                        <a:rPr lang="en-US" dirty="0" err="1">
+                          <a:solidFill>
+                            <a:srgbClr val="BDB76B"/>
+                          </a:solidFill>
+                          <a:effectLst/>
+                          <a:latin typeface="inherit"/>
+                        </a:rPr>
+                        <a:t>my_list</a:t>
+                      </a:r>
+                      <a:r>
+                        <a:rPr lang="en-US" dirty="0">
+                          <a:solidFill>
+                            <a:srgbClr val="D8D8D8"/>
+                          </a:solidFill>
+                          <a:effectLst/>
+                          <a:latin typeface="inherit"/>
+                        </a:rPr>
+                        <a:t>))</a:t>
+                      </a:r>
+                      <a:endParaRPr lang="en-US" dirty="0">
+                        <a:solidFill>
+                          <a:srgbClr val="FFFFFF"/>
+                        </a:solidFill>
+                        <a:effectLst/>
+                        <a:latin typeface="inherit"/>
+                      </a:endParaRPr>
+                    </a:p>
+                    <a:p>
+                      <a:pPr algn="l" fontAlgn="t"/>
+                      <a:r>
+                        <a:rPr lang="en-US" dirty="0">
+                          <a:solidFill>
+                            <a:srgbClr val="FFFFFF"/>
+                          </a:solidFill>
+                          <a:effectLst/>
+                          <a:latin typeface="inherit"/>
+                        </a:rPr>
+                        <a:t> </a:t>
+                      </a:r>
+                    </a:p>
+                    <a:p>
+                      <a:pPr algn="l" fontAlgn="t"/>
+                      <a:r>
+                        <a:rPr lang="en-US" dirty="0">
+                          <a:solidFill>
+                            <a:srgbClr val="569CD6"/>
+                          </a:solidFill>
+                          <a:effectLst/>
+                          <a:latin typeface="inherit"/>
+                        </a:rPr>
+                        <a:t>print</a:t>
+                      </a:r>
+                      <a:r>
+                        <a:rPr lang="en-US" dirty="0">
+                          <a:solidFill>
+                            <a:srgbClr val="D8D8D8"/>
+                          </a:solidFill>
+                          <a:effectLst/>
+                          <a:latin typeface="inherit"/>
+                        </a:rPr>
+                        <a:t>(</a:t>
+                      </a:r>
+                      <a:r>
+                        <a:rPr lang="en-US" dirty="0" err="1">
+                          <a:solidFill>
+                            <a:srgbClr val="BDB76B"/>
+                          </a:solidFill>
+                          <a:effectLst/>
+                          <a:latin typeface="inherit"/>
+                        </a:rPr>
+                        <a:t>new_list</a:t>
+                      </a:r>
+                      <a:r>
+                        <a:rPr lang="en-US" dirty="0">
+                          <a:solidFill>
+                            <a:srgbClr val="D8D8D8"/>
+                          </a:solidFill>
+                          <a:effectLst/>
+                          <a:latin typeface="inherit"/>
+                        </a:rPr>
+                        <a:t>)</a:t>
+                      </a:r>
+                      <a:endParaRPr lang="en-US" dirty="0">
+                        <a:solidFill>
+                          <a:srgbClr val="FFFFFF"/>
+                        </a:solidFill>
+                        <a:effectLst/>
+                        <a:latin typeface="inherit"/>
+                      </a:endParaRPr>
+                    </a:p>
+                  </a:txBody>
+                  <a:tcPr>
+                    <a:lnL w="7620" cap="flat" cmpd="sng" algn="ctr">
+                      <a:solidFill>
+                        <a:srgbClr val="8C8D8F"/>
+                      </a:solidFill>
+                      <a:prstDash val="solid"/>
+                      <a:round/>
+                      <a:headEnd type="none" w="med" len="med"/>
+                      <a:tailEnd type="none" w="med" len="med"/>
+                    </a:lnL>
+                    <a:lnR>
+                      <a:noFill/>
+                    </a:lnR>
+                    <a:lnT>
+                      <a:noFill/>
+                    </a:lnT>
+                    <a:lnB>
+                      <a:noFill/>
+                    </a:lnB>
+                    <a:solidFill>
+                      <a:srgbClr val="323232"/>
+                    </a:solidFill>
+                  </a:tcPr>
+                </a:tc>
+                <a:extLst>
+                  <a:ext uri="{0D108BD9-81ED-4DB2-BD59-A6C34878D82A}">
+                    <a16:rowId xmlns:a16="http://schemas.microsoft.com/office/drawing/2014/main" val="3357199979"/>
+                  </a:ext>
+                </a:extLst>
+              </a:tr>
+            </a:tbl>
+          </a:graphicData>
+        </a:graphic>
+      </p:graphicFrame>
+      <p:sp>
+        <p:nvSpPr>
+          <p:cNvPr id="9" name="TextBox 8">
+            <a:extLst>
+              <a:ext uri="{FF2B5EF4-FFF2-40B4-BE49-F238E27FC236}">
+                <a16:creationId xmlns:a16="http://schemas.microsoft.com/office/drawing/2014/main" id="{70D0B050-11A3-5859-977F-AD6755CFE2B6}"/>
+              </a:ext>
+            </a:extLst>
+          </p:cNvPr>
+          <p:cNvSpPr txBox="1"/>
+          <p:nvPr/>
+        </p:nvSpPr>
+        <p:spPr>
+          <a:xfrm>
+            <a:off x="260555" y="4355584"/>
+            <a:ext cx="6184490" cy="369332"/>
+          </a:xfrm>
+          <a:prstGeom prst="rect">
+            <a:avLst/>
+          </a:prstGeom>
+          <a:noFill/>
+        </p:spPr>
+        <p:txBody>
+          <a:bodyPr wrap="square">
+            <a:spAutoFit/>
+          </a:bodyPr>
+          <a:lstStyle/>
+          <a:p>
+            <a:r>
+              <a:rPr lang="uk-UA" dirty="0"/>
+              <a:t>Результат:  [4, 6, 8, 12]</a:t>
+            </a:r>
+          </a:p>
+        </p:txBody>
+      </p:sp>
+      <p:sp>
+        <p:nvSpPr>
+          <p:cNvPr id="11" name="TextBox 10">
+            <a:extLst>
+              <a:ext uri="{FF2B5EF4-FFF2-40B4-BE49-F238E27FC236}">
+                <a16:creationId xmlns:a16="http://schemas.microsoft.com/office/drawing/2014/main" id="{AB43EEC2-052B-D399-F62A-E4F88A135414}"/>
+              </a:ext>
+            </a:extLst>
+          </p:cNvPr>
+          <p:cNvSpPr txBox="1"/>
+          <p:nvPr/>
+        </p:nvSpPr>
+        <p:spPr>
+          <a:xfrm>
+            <a:off x="260555" y="4912512"/>
+            <a:ext cx="6184490" cy="646331"/>
+          </a:xfrm>
+          <a:prstGeom prst="rect">
+            <a:avLst/>
+          </a:prstGeom>
+          <a:noFill/>
+        </p:spPr>
+        <p:txBody>
+          <a:bodyPr wrap="square">
+            <a:spAutoFit/>
+          </a:bodyPr>
+          <a:lstStyle/>
+          <a:p>
+            <a:r>
+              <a:rPr lang="ru-RU" b="0" i="0" dirty="0">
+                <a:solidFill>
+                  <a:srgbClr val="000000"/>
+                </a:solidFill>
+                <a:effectLst/>
+                <a:latin typeface="Open Sans" panose="020B0606030504020204" pitchFamily="34" charset="0"/>
+              </a:rPr>
+              <a:t>Тут </a:t>
+            </a:r>
+            <a:r>
+              <a:rPr lang="ru-RU" b="0" i="0" dirty="0" err="1">
+                <a:solidFill>
+                  <a:srgbClr val="000000"/>
+                </a:solidFill>
+                <a:effectLst/>
+                <a:latin typeface="Open Sans" panose="020B0606030504020204" pitchFamily="34" charset="0"/>
+              </a:rPr>
+              <a:t>функція</a:t>
+            </a:r>
+            <a:r>
+              <a:rPr lang="ru-RU" b="0" i="0" dirty="0">
+                <a:solidFill>
+                  <a:srgbClr val="000000"/>
+                </a:solidFill>
+                <a:effectLst/>
+                <a:latin typeface="Open Sans" panose="020B0606030504020204" pitchFamily="34" charset="0"/>
+              </a:rPr>
+              <a:t> </a:t>
+            </a:r>
+            <a:r>
+              <a:rPr lang="ru-RU" b="0" i="0" dirty="0" err="1">
+                <a:solidFill>
+                  <a:srgbClr val="000000"/>
+                </a:solidFill>
+                <a:effectLst/>
+                <a:latin typeface="Open Sans" panose="020B0606030504020204" pitchFamily="34" charset="0"/>
+              </a:rPr>
+              <a:t>filter</a:t>
+            </a:r>
+            <a:r>
+              <a:rPr lang="ru-RU" b="0" i="0" dirty="0">
+                <a:solidFill>
+                  <a:srgbClr val="000000"/>
+                </a:solidFill>
+                <a:effectLst/>
+                <a:latin typeface="Open Sans" panose="020B0606030504020204" pitchFamily="34" charset="0"/>
+              </a:rPr>
+              <a:t>() </a:t>
+            </a:r>
+            <a:r>
+              <a:rPr lang="ru-RU" b="0" i="0" dirty="0" err="1">
+                <a:solidFill>
+                  <a:srgbClr val="000000"/>
+                </a:solidFill>
+                <a:effectLst/>
+                <a:latin typeface="Open Sans" panose="020B0606030504020204" pitchFamily="34" charset="0"/>
+              </a:rPr>
+              <a:t>повертає</a:t>
+            </a:r>
+            <a:r>
+              <a:rPr lang="ru-RU" b="0" i="0" dirty="0">
+                <a:solidFill>
+                  <a:srgbClr val="000000"/>
+                </a:solidFill>
+                <a:effectLst/>
+                <a:latin typeface="Open Sans" panose="020B0606030504020204" pitchFamily="34" charset="0"/>
+              </a:rPr>
+              <a:t> </a:t>
+            </a:r>
+            <a:r>
+              <a:rPr lang="ru-RU" b="0" i="0" dirty="0" err="1">
+                <a:solidFill>
+                  <a:srgbClr val="000000"/>
+                </a:solidFill>
+                <a:effectLst/>
+                <a:latin typeface="Open Sans" panose="020B0606030504020204" pitchFamily="34" charset="0"/>
+              </a:rPr>
+              <a:t>лише</a:t>
+            </a:r>
+            <a:r>
+              <a:rPr lang="ru-RU" b="0" i="0" dirty="0">
+                <a:solidFill>
+                  <a:srgbClr val="000000"/>
+                </a:solidFill>
+                <a:effectLst/>
+                <a:latin typeface="Open Sans" panose="020B0606030504020204" pitchFamily="34" charset="0"/>
+              </a:rPr>
+              <a:t> </a:t>
+            </a:r>
+            <a:r>
+              <a:rPr lang="ru-RU" b="0" i="0" dirty="0" err="1">
+                <a:solidFill>
+                  <a:srgbClr val="000000"/>
+                </a:solidFill>
+                <a:effectLst/>
+                <a:latin typeface="Open Sans" panose="020B0606030504020204" pitchFamily="34" charset="0"/>
+              </a:rPr>
+              <a:t>парні</a:t>
+            </a:r>
+            <a:r>
+              <a:rPr lang="ru-RU" b="0" i="0" dirty="0">
+                <a:solidFill>
+                  <a:srgbClr val="000000"/>
+                </a:solidFill>
+                <a:effectLst/>
+                <a:latin typeface="Open Sans" panose="020B0606030504020204" pitchFamily="34" charset="0"/>
+              </a:rPr>
+              <a:t> числа </a:t>
+            </a:r>
+            <a:r>
+              <a:rPr lang="ru-RU" b="0" i="0" dirty="0" err="1">
+                <a:solidFill>
+                  <a:srgbClr val="000000"/>
+                </a:solidFill>
+                <a:effectLst/>
+                <a:latin typeface="Open Sans" panose="020B0606030504020204" pitchFamily="34" charset="0"/>
+              </a:rPr>
+              <a:t>зі</a:t>
+            </a:r>
+            <a:r>
+              <a:rPr lang="ru-RU" b="0" i="0" dirty="0">
+                <a:solidFill>
+                  <a:srgbClr val="000000"/>
+                </a:solidFill>
+                <a:effectLst/>
+                <a:latin typeface="Open Sans" panose="020B0606030504020204" pitchFamily="34" charset="0"/>
+              </a:rPr>
+              <a:t> списку.</a:t>
+            </a:r>
+            <a:endParaRPr lang="uk-UA" dirty="0"/>
+          </a:p>
+        </p:txBody>
+      </p:sp>
+    </p:spTree>
+    <p:extLst>
+      <p:ext uri="{BB962C8B-B14F-4D97-AF65-F5344CB8AC3E}">
+        <p14:creationId xmlns:p14="http://schemas.microsoft.com/office/powerpoint/2010/main" val="3206345571"/>
+      </p:ext>
+    </p:extLst>
+  </p:cSld>
+  <p:clrMapOvr>
+    <a:masterClrMapping/>
+  </p:clrMapOvr>
+</p:sld>
+</file>
+
+<file path=ppt/slides/slide6.xml><?xml version="1.0" encoding="utf-8"?>
+<p:sld xmlns:a="http://schemas.openxmlformats.org/drawingml/2006/main" xmlns:r="http://schemas.openxmlformats.org/officeDocument/2006/relationships" xmlns:p="http://schemas.openxmlformats.org/presentationml/2006/main">
+  <p:cSld>
+    <p:spTree>
+      <p:nvGrpSpPr>
+        <p:cNvPr id="1" name=""/>
+        <p:cNvGrpSpPr/>
+        <p:nvPr/>
+      </p:nvGrpSpPr>
+      <p:grpSpPr>
+        <a:xfrm>
+          <a:off x="0" y="0"/>
+          <a:ext cx="0" cy="0"/>
+          <a:chOff x="0" y="0"/>
+          <a:chExt cx="0" cy="0"/>
+        </a:xfrm>
+      </p:grpSpPr>
+      <p:sp>
+        <p:nvSpPr>
+          <p:cNvPr id="3" name="TextBox 2">
+            <a:extLst>
+              <a:ext uri="{FF2B5EF4-FFF2-40B4-BE49-F238E27FC236}">
+                <a16:creationId xmlns:a16="http://schemas.microsoft.com/office/drawing/2014/main" id="{EA9DBF12-F87F-866F-B2D5-4E8684028C32}"/>
+              </a:ext>
+            </a:extLst>
+          </p:cNvPr>
+          <p:cNvSpPr txBox="1"/>
+          <p:nvPr/>
+        </p:nvSpPr>
+        <p:spPr>
+          <a:xfrm>
+            <a:off x="0" y="256090"/>
+            <a:ext cx="12192000" cy="923330"/>
+          </a:xfrm>
+          <a:prstGeom prst="rect">
+            <a:avLst/>
+          </a:prstGeom>
+          <a:noFill/>
+        </p:spPr>
+        <p:txBody>
+          <a:bodyPr wrap="square">
+            <a:spAutoFit/>
+          </a:bodyPr>
+          <a:lstStyle/>
+          <a:p>
+            <a:pPr algn="ctr"/>
+            <a:r>
+              <a:rPr lang="ru-RU" b="1" i="0" dirty="0">
+                <a:solidFill>
+                  <a:srgbClr val="000000"/>
+                </a:solidFill>
+                <a:effectLst/>
+                <a:latin typeface="Segoe UI" panose="020B0502040204020203" pitchFamily="34" charset="0"/>
+              </a:rPr>
+              <a:t>Як </a:t>
+            </a:r>
+            <a:r>
+              <a:rPr lang="ru-RU" b="1" i="0" dirty="0" err="1">
+                <a:solidFill>
+                  <a:srgbClr val="000000"/>
+                </a:solidFill>
+                <a:effectLst/>
+                <a:latin typeface="Segoe UI" panose="020B0502040204020203" pitchFamily="34" charset="0"/>
+              </a:rPr>
+              <a:t>використовувати</a:t>
+            </a:r>
+            <a:r>
+              <a:rPr lang="ru-RU" b="1" i="0" dirty="0">
+                <a:solidFill>
+                  <a:srgbClr val="000000"/>
+                </a:solidFill>
+                <a:effectLst/>
+                <a:latin typeface="Segoe UI" panose="020B0502040204020203" pitchFamily="34" charset="0"/>
+              </a:rPr>
+              <a:t> лямбда-</a:t>
+            </a:r>
+            <a:r>
+              <a:rPr lang="ru-RU" b="1" i="0" dirty="0" err="1">
+                <a:solidFill>
+                  <a:srgbClr val="000000"/>
+                </a:solidFill>
+                <a:effectLst/>
+                <a:latin typeface="Segoe UI" panose="020B0502040204020203" pitchFamily="34" charset="0"/>
+              </a:rPr>
+              <a:t>функцію</a:t>
+            </a:r>
+            <a:r>
+              <a:rPr lang="ru-RU" b="1" i="0" dirty="0">
+                <a:solidFill>
+                  <a:srgbClr val="000000"/>
+                </a:solidFill>
+                <a:effectLst/>
+                <a:latin typeface="Segoe UI" panose="020B0502040204020203" pitchFamily="34" charset="0"/>
+              </a:rPr>
+              <a:t> з </a:t>
+            </a:r>
+            <a:r>
+              <a:rPr lang="ru-RU" b="1" i="0" dirty="0" err="1">
+                <a:solidFill>
+                  <a:srgbClr val="000000"/>
+                </a:solidFill>
+                <a:effectLst/>
+                <a:latin typeface="Segoe UI" panose="020B0502040204020203" pitchFamily="34" charset="0"/>
+              </a:rPr>
+              <a:t>map</a:t>
+            </a:r>
+            <a:r>
+              <a:rPr lang="ru-RU" b="1" i="0" dirty="0">
+                <a:solidFill>
+                  <a:srgbClr val="000000"/>
+                </a:solidFill>
+                <a:effectLst/>
+                <a:latin typeface="Segoe UI" panose="020B0502040204020203" pitchFamily="34" charset="0"/>
+              </a:rPr>
+              <a:t>()?</a:t>
+            </a:r>
+          </a:p>
+          <a:p>
+            <a:pPr algn="ctr"/>
+            <a:br>
+              <a:rPr lang="ru-RU" dirty="0"/>
+            </a:br>
+            <a:endParaRPr lang="uk-UA" dirty="0"/>
+          </a:p>
+        </p:txBody>
+      </p:sp>
+      <p:sp>
+        <p:nvSpPr>
+          <p:cNvPr id="5" name="TextBox 4">
+            <a:extLst>
+              <a:ext uri="{FF2B5EF4-FFF2-40B4-BE49-F238E27FC236}">
+                <a16:creationId xmlns:a16="http://schemas.microsoft.com/office/drawing/2014/main" id="{771D3553-47BD-209A-5091-798518384F2E}"/>
+              </a:ext>
+            </a:extLst>
+          </p:cNvPr>
+          <p:cNvSpPr txBox="1"/>
+          <p:nvPr/>
+        </p:nvSpPr>
+        <p:spPr>
+          <a:xfrm>
+            <a:off x="393291" y="717755"/>
+            <a:ext cx="6096000" cy="1754326"/>
+          </a:xfrm>
+          <a:prstGeom prst="rect">
+            <a:avLst/>
+          </a:prstGeom>
+          <a:noFill/>
+        </p:spPr>
+        <p:txBody>
+          <a:bodyPr wrap="square">
+            <a:spAutoFit/>
+          </a:bodyPr>
+          <a:lstStyle/>
+          <a:p>
+            <a:r>
+              <a:rPr lang="uk-UA" b="1" i="0" dirty="0">
+                <a:solidFill>
+                  <a:srgbClr val="000000"/>
+                </a:solidFill>
+                <a:effectLst/>
+                <a:latin typeface="Open Sans" panose="020B0606030504020204" pitchFamily="34" charset="0"/>
+              </a:rPr>
+              <a:t>Функція </a:t>
+            </a:r>
+            <a:r>
+              <a:rPr lang="en-US" b="1" i="0" dirty="0">
+                <a:solidFill>
+                  <a:srgbClr val="000000"/>
+                </a:solidFill>
+                <a:effectLst/>
+                <a:latin typeface="Open Sans" panose="020B0606030504020204" pitchFamily="34" charset="0"/>
+              </a:rPr>
+              <a:t>map()</a:t>
+            </a:r>
+            <a:r>
+              <a:rPr lang="en-US" b="0" i="0" dirty="0">
+                <a:solidFill>
+                  <a:srgbClr val="000000"/>
+                </a:solidFill>
+                <a:effectLst/>
+                <a:latin typeface="Open Sans" panose="020B0606030504020204" pitchFamily="34" charset="0"/>
+              </a:rPr>
+              <a:t> </a:t>
+            </a:r>
+            <a:r>
+              <a:rPr lang="uk-UA" b="0" i="0" dirty="0">
+                <a:solidFill>
+                  <a:srgbClr val="000000"/>
+                </a:solidFill>
+                <a:effectLst/>
+                <a:latin typeface="Open Sans" panose="020B0606030504020204" pitchFamily="34" charset="0"/>
+              </a:rPr>
+              <a:t>в </a:t>
+            </a:r>
+            <a:r>
+              <a:rPr lang="en-US" b="0" i="0" dirty="0">
+                <a:solidFill>
+                  <a:srgbClr val="000000"/>
+                </a:solidFill>
+                <a:effectLst/>
+                <a:latin typeface="Open Sans" panose="020B0606030504020204" pitchFamily="34" charset="0"/>
+              </a:rPr>
+              <a:t>Python </a:t>
+            </a:r>
+            <a:r>
+              <a:rPr lang="uk-UA" b="0" i="0" dirty="0">
+                <a:solidFill>
+                  <a:srgbClr val="000000"/>
+                </a:solidFill>
+                <a:effectLst/>
+                <a:latin typeface="Open Sans" panose="020B0606030504020204" pitchFamily="34" charset="0"/>
+              </a:rPr>
+              <a:t>приймає функцію та об’єкт, що </a:t>
+            </a:r>
+            <a:r>
+              <a:rPr lang="uk-UA" b="0" i="0" dirty="0" err="1">
+                <a:solidFill>
+                  <a:srgbClr val="000000"/>
+                </a:solidFill>
+                <a:effectLst/>
+                <a:latin typeface="Open Sans" panose="020B0606030504020204" pitchFamily="34" charset="0"/>
+              </a:rPr>
+              <a:t>ітерується</a:t>
+            </a:r>
+            <a:r>
+              <a:rPr lang="uk-UA" b="0" i="0" dirty="0">
+                <a:solidFill>
+                  <a:srgbClr val="000000"/>
+                </a:solidFill>
+                <a:effectLst/>
+                <a:latin typeface="Open Sans" panose="020B0606030504020204" pitchFamily="34" charset="0"/>
+              </a:rPr>
+              <a:t> (списки, кортежі та рядки) як аргументи. Функція викликається зі всіма елементами у списку і повертається новий список, який містить елементи, що повертаються цією функцією для кожного елемента.</a:t>
+            </a:r>
+            <a:endParaRPr lang="uk-UA" dirty="0"/>
+          </a:p>
+        </p:txBody>
+      </p:sp>
+      <p:sp>
+        <p:nvSpPr>
+          <p:cNvPr id="7" name="TextBox 6">
+            <a:extLst>
+              <a:ext uri="{FF2B5EF4-FFF2-40B4-BE49-F238E27FC236}">
+                <a16:creationId xmlns:a16="http://schemas.microsoft.com/office/drawing/2014/main" id="{610F8F71-C80A-75AC-1BDA-EA352AD66DD9}"/>
+              </a:ext>
+            </a:extLst>
+          </p:cNvPr>
+          <p:cNvSpPr txBox="1"/>
+          <p:nvPr/>
+        </p:nvSpPr>
+        <p:spPr>
+          <a:xfrm>
+            <a:off x="393291" y="2564414"/>
+            <a:ext cx="6096000" cy="369332"/>
+          </a:xfrm>
+          <a:prstGeom prst="rect">
+            <a:avLst/>
+          </a:prstGeom>
+          <a:noFill/>
+        </p:spPr>
+        <p:txBody>
+          <a:bodyPr wrap="square">
+            <a:spAutoFit/>
+          </a:bodyPr>
+          <a:lstStyle/>
+          <a:p>
+            <a:r>
+              <a:rPr lang="uk-UA" b="0" i="0" dirty="0">
+                <a:solidFill>
+                  <a:srgbClr val="000000"/>
+                </a:solidFill>
+                <a:effectLst/>
+                <a:latin typeface="Open Sans" panose="020B0606030504020204" pitchFamily="34" charset="0"/>
+              </a:rPr>
+              <a:t>Наприклад:</a:t>
+            </a:r>
+            <a:endParaRPr lang="uk-UA" dirty="0"/>
+          </a:p>
+        </p:txBody>
+      </p:sp>
+      <p:graphicFrame>
+        <p:nvGraphicFramePr>
+          <p:cNvPr id="8" name="Таблица 7">
+            <a:extLst>
+              <a:ext uri="{FF2B5EF4-FFF2-40B4-BE49-F238E27FC236}">
+                <a16:creationId xmlns:a16="http://schemas.microsoft.com/office/drawing/2014/main" id="{CD97BB86-C1B7-5241-4E5A-31A75A8AE2B1}"/>
+              </a:ext>
+            </a:extLst>
+          </p:cNvPr>
+          <p:cNvGraphicFramePr>
+            <a:graphicFrameLocks noGrp="1"/>
+          </p:cNvGraphicFramePr>
+          <p:nvPr>
+            <p:extLst>
+              <p:ext uri="{D42A27DB-BD31-4B8C-83A1-F6EECF244321}">
+                <p14:modId xmlns:p14="http://schemas.microsoft.com/office/powerpoint/2010/main" val="352513994"/>
+              </p:ext>
+            </p:extLst>
+          </p:nvPr>
+        </p:nvGraphicFramePr>
+        <p:xfrm>
+          <a:off x="393291" y="2933746"/>
+          <a:ext cx="9901083" cy="2011680"/>
+        </p:xfrm>
+        <a:graphic>
+          <a:graphicData uri="http://schemas.openxmlformats.org/drawingml/2006/table">
+            <a:tbl>
+              <a:tblPr/>
+              <a:tblGrid>
+                <a:gridCol w="351066">
+                  <a:extLst>
+                    <a:ext uri="{9D8B030D-6E8A-4147-A177-3AD203B41FA5}">
+                      <a16:colId xmlns:a16="http://schemas.microsoft.com/office/drawing/2014/main" val="841501043"/>
+                    </a:ext>
+                  </a:extLst>
+                </a:gridCol>
+                <a:gridCol w="9550017">
+                  <a:extLst>
+                    <a:ext uri="{9D8B030D-6E8A-4147-A177-3AD203B41FA5}">
+                      <a16:colId xmlns:a16="http://schemas.microsoft.com/office/drawing/2014/main" val="1074720226"/>
+                    </a:ext>
+                  </a:extLst>
+                </a:gridCol>
+              </a:tblGrid>
+              <a:tr h="0">
+                <a:tc>
+                  <a:txBody>
+                    <a:bodyPr/>
+                    <a:lstStyle/>
+                    <a:p>
+                      <a:pPr algn="ctr" fontAlgn="t"/>
+                      <a:r>
+                        <a:rPr lang="uk-UA">
+                          <a:solidFill>
+                            <a:srgbClr val="C2C2C2"/>
+                          </a:solidFill>
+                          <a:effectLst/>
+                          <a:latin typeface="inherit"/>
+                        </a:rPr>
+                        <a:t>1</a:t>
+                      </a:r>
+                    </a:p>
+                    <a:p>
+                      <a:pPr algn="ctr" fontAlgn="t"/>
+                      <a:r>
+                        <a:rPr lang="uk-UA">
+                          <a:solidFill>
+                            <a:srgbClr val="C2C2C2"/>
+                          </a:solidFill>
+                          <a:effectLst/>
+                          <a:latin typeface="inherit"/>
+                        </a:rPr>
+                        <a:t>2</a:t>
+                      </a:r>
+                    </a:p>
+                    <a:p>
+                      <a:pPr algn="ctr" fontAlgn="t"/>
+                      <a:r>
+                        <a:rPr lang="uk-UA">
+                          <a:solidFill>
+                            <a:srgbClr val="C2C2C2"/>
+                          </a:solidFill>
+                          <a:effectLst/>
+                          <a:latin typeface="inherit"/>
+                        </a:rPr>
+                        <a:t>3</a:t>
+                      </a:r>
+                    </a:p>
+                    <a:p>
+                      <a:pPr algn="ctr" fontAlgn="t"/>
+                      <a:r>
+                        <a:rPr lang="uk-UA">
+                          <a:solidFill>
+                            <a:srgbClr val="C2C2C2"/>
+                          </a:solidFill>
+                          <a:effectLst/>
+                          <a:latin typeface="inherit"/>
+                        </a:rPr>
+                        <a:t>4</a:t>
+                      </a:r>
+                    </a:p>
+                    <a:p>
+                      <a:pPr algn="ctr" fontAlgn="t"/>
+                      <a:r>
+                        <a:rPr lang="uk-UA">
+                          <a:solidFill>
+                            <a:srgbClr val="C2C2C2"/>
+                          </a:solidFill>
+                          <a:effectLst/>
+                          <a:latin typeface="inherit"/>
+                        </a:rPr>
+                        <a:t>5</a:t>
+                      </a:r>
+                    </a:p>
+                    <a:p>
+                      <a:pPr algn="ctr" fontAlgn="t"/>
+                      <a:r>
+                        <a:rPr lang="uk-UA">
+                          <a:solidFill>
+                            <a:srgbClr val="C2C2C2"/>
+                          </a:solidFill>
+                          <a:effectLst/>
+                          <a:latin typeface="inherit"/>
+                        </a:rPr>
+                        <a:t>6</a:t>
+                      </a:r>
+                    </a:p>
+                    <a:p>
+                      <a:pPr algn="ctr" fontAlgn="t"/>
+                      <a:r>
+                        <a:rPr lang="uk-UA">
+                          <a:solidFill>
+                            <a:srgbClr val="C2C2C2"/>
+                          </a:solidFill>
+                          <a:effectLst/>
+                          <a:latin typeface="inherit"/>
+                        </a:rPr>
+                        <a:t>7</a:t>
+                      </a:r>
+                    </a:p>
+                  </a:txBody>
+                  <a:tcPr>
+                    <a:lnL>
+                      <a:noFill/>
+                    </a:lnL>
+                    <a:lnR w="7620" cap="flat" cmpd="sng" algn="ctr">
+                      <a:solidFill>
+                        <a:srgbClr val="8C8D8F"/>
+                      </a:solidFill>
+                      <a:prstDash val="solid"/>
+                      <a:round/>
+                      <a:headEnd type="none" w="med" len="med"/>
+                      <a:tailEnd type="none" w="med" len="med"/>
+                    </a:lnR>
+                    <a:lnT>
+                      <a:noFill/>
+                    </a:lnT>
+                    <a:lnB>
+                      <a:noFill/>
+                    </a:lnB>
+                    <a:solidFill>
+                      <a:srgbClr val="303030"/>
+                    </a:solidFill>
+                  </a:tcPr>
+                </a:tc>
+                <a:tc>
+                  <a:txBody>
+                    <a:bodyPr/>
+                    <a:lstStyle/>
+                    <a:p>
+                      <a:pPr algn="l" fontAlgn="t"/>
+                      <a:r>
+                        <a:rPr lang="uk-UA" i="1" dirty="0">
+                          <a:solidFill>
+                            <a:srgbClr val="57A64A"/>
+                          </a:solidFill>
+                          <a:effectLst/>
+                          <a:latin typeface="inherit"/>
+                        </a:rPr>
+                        <a:t># Програма подвоєння значень кожного елемента списку за допомогою функції </a:t>
+                      </a:r>
+                      <a:r>
+                        <a:rPr lang="en-US" i="1" dirty="0">
+                          <a:solidFill>
+                            <a:srgbClr val="57A64A"/>
+                          </a:solidFill>
+                          <a:effectLst/>
+                          <a:latin typeface="inherit"/>
+                        </a:rPr>
+                        <a:t>map()</a:t>
+                      </a:r>
+                      <a:endParaRPr lang="en-US" dirty="0">
+                        <a:solidFill>
+                          <a:srgbClr val="FFFFFF"/>
+                        </a:solidFill>
+                        <a:effectLst/>
+                        <a:latin typeface="inherit"/>
+                      </a:endParaRPr>
+                    </a:p>
+                    <a:p>
+                      <a:pPr algn="l" fontAlgn="t"/>
+                      <a:r>
+                        <a:rPr lang="en-US" dirty="0">
+                          <a:solidFill>
+                            <a:srgbClr val="FFFFFF"/>
+                          </a:solidFill>
+                          <a:effectLst/>
+                          <a:latin typeface="inherit"/>
+                        </a:rPr>
+                        <a:t> </a:t>
+                      </a:r>
+                    </a:p>
+                    <a:p>
+                      <a:pPr algn="l" fontAlgn="t"/>
+                      <a:r>
+                        <a:rPr lang="en-US" dirty="0" err="1">
+                          <a:solidFill>
+                            <a:srgbClr val="BDB76B"/>
+                          </a:solidFill>
+                          <a:effectLst/>
+                          <a:latin typeface="inherit"/>
+                        </a:rPr>
+                        <a:t>my_list</a:t>
+                      </a:r>
+                      <a:r>
+                        <a:rPr lang="en-US" dirty="0">
+                          <a:solidFill>
+                            <a:srgbClr val="006FE0"/>
+                          </a:solidFill>
+                          <a:effectLst/>
+                          <a:latin typeface="inherit"/>
+                        </a:rPr>
+                        <a:t> </a:t>
+                      </a:r>
+                      <a:r>
+                        <a:rPr lang="en-US" dirty="0">
+                          <a:solidFill>
+                            <a:srgbClr val="DADADA"/>
+                          </a:solidFill>
+                          <a:effectLst/>
+                          <a:latin typeface="inherit"/>
+                        </a:rPr>
+                        <a:t>=</a:t>
+                      </a:r>
+                      <a:r>
+                        <a:rPr lang="en-US" dirty="0">
+                          <a:solidFill>
+                            <a:srgbClr val="006FE0"/>
+                          </a:solidFill>
+                          <a:effectLst/>
+                          <a:latin typeface="inherit"/>
+                        </a:rPr>
+                        <a:t> </a:t>
+                      </a:r>
+                      <a:r>
+                        <a:rPr lang="en-US" dirty="0">
+                          <a:solidFill>
+                            <a:srgbClr val="D8D8D8"/>
+                          </a:solidFill>
+                          <a:effectLst/>
+                          <a:latin typeface="inherit"/>
+                        </a:rPr>
+                        <a:t>[</a:t>
+                      </a:r>
+                      <a:r>
+                        <a:rPr lang="en-US" dirty="0">
+                          <a:solidFill>
+                            <a:srgbClr val="E7A37A"/>
+                          </a:solidFill>
+                          <a:effectLst/>
+                          <a:latin typeface="inherit"/>
+                        </a:rPr>
+                        <a:t>1</a:t>
+                      </a:r>
+                      <a:r>
+                        <a:rPr lang="en-US" dirty="0">
+                          <a:solidFill>
+                            <a:srgbClr val="D8D8D8"/>
+                          </a:solidFill>
+                          <a:effectLst/>
+                          <a:latin typeface="inherit"/>
+                        </a:rPr>
+                        <a:t>,</a:t>
+                      </a:r>
+                      <a:r>
+                        <a:rPr lang="en-US" dirty="0">
+                          <a:solidFill>
+                            <a:srgbClr val="006FE0"/>
+                          </a:solidFill>
+                          <a:effectLst/>
+                          <a:latin typeface="inherit"/>
+                        </a:rPr>
+                        <a:t> </a:t>
+                      </a:r>
+                      <a:r>
+                        <a:rPr lang="en-US" dirty="0">
+                          <a:solidFill>
+                            <a:srgbClr val="E7A37A"/>
+                          </a:solidFill>
+                          <a:effectLst/>
+                          <a:latin typeface="inherit"/>
+                        </a:rPr>
+                        <a:t>5</a:t>
+                      </a:r>
+                      <a:r>
+                        <a:rPr lang="en-US" dirty="0">
+                          <a:solidFill>
+                            <a:srgbClr val="D8D8D8"/>
+                          </a:solidFill>
+                          <a:effectLst/>
+                          <a:latin typeface="inherit"/>
+                        </a:rPr>
+                        <a:t>,</a:t>
+                      </a:r>
+                      <a:r>
+                        <a:rPr lang="en-US" dirty="0">
+                          <a:solidFill>
+                            <a:srgbClr val="006FE0"/>
+                          </a:solidFill>
+                          <a:effectLst/>
+                          <a:latin typeface="inherit"/>
+                        </a:rPr>
+                        <a:t> </a:t>
+                      </a:r>
+                      <a:r>
+                        <a:rPr lang="en-US" dirty="0">
+                          <a:solidFill>
+                            <a:srgbClr val="E7A37A"/>
+                          </a:solidFill>
+                          <a:effectLst/>
+                          <a:latin typeface="inherit"/>
+                        </a:rPr>
+                        <a:t>4</a:t>
+                      </a:r>
+                      <a:r>
+                        <a:rPr lang="en-US" dirty="0">
+                          <a:solidFill>
+                            <a:srgbClr val="D8D8D8"/>
+                          </a:solidFill>
+                          <a:effectLst/>
+                          <a:latin typeface="inherit"/>
+                        </a:rPr>
+                        <a:t>,</a:t>
+                      </a:r>
+                      <a:r>
+                        <a:rPr lang="en-US" dirty="0">
+                          <a:solidFill>
+                            <a:srgbClr val="006FE0"/>
+                          </a:solidFill>
+                          <a:effectLst/>
+                          <a:latin typeface="inherit"/>
+                        </a:rPr>
+                        <a:t> </a:t>
+                      </a:r>
+                      <a:r>
+                        <a:rPr lang="en-US" dirty="0">
+                          <a:solidFill>
+                            <a:srgbClr val="E7A37A"/>
+                          </a:solidFill>
+                          <a:effectLst/>
+                          <a:latin typeface="inherit"/>
+                        </a:rPr>
+                        <a:t>6</a:t>
+                      </a:r>
+                      <a:r>
+                        <a:rPr lang="en-US" dirty="0">
+                          <a:solidFill>
+                            <a:srgbClr val="D8D8D8"/>
+                          </a:solidFill>
+                          <a:effectLst/>
+                          <a:latin typeface="inherit"/>
+                        </a:rPr>
+                        <a:t>,</a:t>
+                      </a:r>
+                      <a:r>
+                        <a:rPr lang="en-US" dirty="0">
+                          <a:solidFill>
+                            <a:srgbClr val="006FE0"/>
+                          </a:solidFill>
+                          <a:effectLst/>
+                          <a:latin typeface="inherit"/>
+                        </a:rPr>
+                        <a:t> </a:t>
+                      </a:r>
+                      <a:r>
+                        <a:rPr lang="en-US" dirty="0">
+                          <a:solidFill>
+                            <a:srgbClr val="E7A37A"/>
+                          </a:solidFill>
+                          <a:effectLst/>
+                          <a:latin typeface="inherit"/>
+                        </a:rPr>
+                        <a:t>8</a:t>
+                      </a:r>
+                      <a:r>
+                        <a:rPr lang="en-US" dirty="0">
+                          <a:solidFill>
+                            <a:srgbClr val="D8D8D8"/>
+                          </a:solidFill>
+                          <a:effectLst/>
+                          <a:latin typeface="inherit"/>
+                        </a:rPr>
+                        <a:t>,</a:t>
+                      </a:r>
+                      <a:r>
+                        <a:rPr lang="en-US" dirty="0">
+                          <a:solidFill>
+                            <a:srgbClr val="006FE0"/>
+                          </a:solidFill>
+                          <a:effectLst/>
+                          <a:latin typeface="inherit"/>
+                        </a:rPr>
+                        <a:t> </a:t>
+                      </a:r>
+                      <a:r>
+                        <a:rPr lang="en-US" dirty="0">
+                          <a:solidFill>
+                            <a:srgbClr val="E7A37A"/>
+                          </a:solidFill>
+                          <a:effectLst/>
+                          <a:latin typeface="inherit"/>
+                        </a:rPr>
+                        <a:t>11</a:t>
+                      </a:r>
+                      <a:r>
+                        <a:rPr lang="en-US" dirty="0">
+                          <a:solidFill>
+                            <a:srgbClr val="D8D8D8"/>
+                          </a:solidFill>
+                          <a:effectLst/>
+                          <a:latin typeface="inherit"/>
+                        </a:rPr>
+                        <a:t>,</a:t>
+                      </a:r>
+                      <a:r>
+                        <a:rPr lang="en-US" dirty="0">
+                          <a:solidFill>
+                            <a:srgbClr val="006FE0"/>
+                          </a:solidFill>
+                          <a:effectLst/>
+                          <a:latin typeface="inherit"/>
+                        </a:rPr>
+                        <a:t> </a:t>
+                      </a:r>
+                      <a:r>
+                        <a:rPr lang="en-US" dirty="0">
+                          <a:solidFill>
+                            <a:srgbClr val="E7A37A"/>
+                          </a:solidFill>
+                          <a:effectLst/>
+                          <a:latin typeface="inherit"/>
+                        </a:rPr>
+                        <a:t>3</a:t>
+                      </a:r>
+                      <a:r>
+                        <a:rPr lang="en-US" dirty="0">
+                          <a:solidFill>
+                            <a:srgbClr val="D8D8D8"/>
+                          </a:solidFill>
+                          <a:effectLst/>
+                          <a:latin typeface="inherit"/>
+                        </a:rPr>
+                        <a:t>,</a:t>
+                      </a:r>
+                      <a:r>
+                        <a:rPr lang="en-US" dirty="0">
+                          <a:solidFill>
+                            <a:srgbClr val="006FE0"/>
+                          </a:solidFill>
+                          <a:effectLst/>
+                          <a:latin typeface="inherit"/>
+                        </a:rPr>
+                        <a:t> </a:t>
+                      </a:r>
+                      <a:r>
+                        <a:rPr lang="en-US" dirty="0">
+                          <a:solidFill>
+                            <a:srgbClr val="E7A37A"/>
+                          </a:solidFill>
+                          <a:effectLst/>
+                          <a:latin typeface="inherit"/>
+                        </a:rPr>
+                        <a:t>12</a:t>
+                      </a:r>
+                      <a:r>
+                        <a:rPr lang="en-US" dirty="0">
+                          <a:solidFill>
+                            <a:srgbClr val="D8D8D8"/>
+                          </a:solidFill>
+                          <a:effectLst/>
+                          <a:latin typeface="inherit"/>
+                        </a:rPr>
+                        <a:t>]</a:t>
+                      </a:r>
+                      <a:endParaRPr lang="en-US" dirty="0">
+                        <a:solidFill>
+                          <a:srgbClr val="FFFFFF"/>
+                        </a:solidFill>
+                        <a:effectLst/>
+                        <a:latin typeface="inherit"/>
+                      </a:endParaRPr>
+                    </a:p>
+                    <a:p>
+                      <a:pPr algn="l" fontAlgn="t"/>
+                      <a:r>
+                        <a:rPr lang="en-US" dirty="0">
+                          <a:solidFill>
+                            <a:srgbClr val="FFFFFF"/>
+                          </a:solidFill>
+                          <a:effectLst/>
+                          <a:latin typeface="inherit"/>
+                        </a:rPr>
+                        <a:t> </a:t>
+                      </a:r>
+                    </a:p>
+                    <a:p>
+                      <a:pPr algn="l" fontAlgn="t"/>
+                      <a:r>
+                        <a:rPr lang="en-US" dirty="0" err="1">
+                          <a:solidFill>
+                            <a:srgbClr val="BDB76B"/>
+                          </a:solidFill>
+                          <a:effectLst/>
+                          <a:latin typeface="inherit"/>
+                        </a:rPr>
+                        <a:t>new_list</a:t>
+                      </a:r>
+                      <a:r>
+                        <a:rPr lang="en-US" dirty="0">
+                          <a:solidFill>
+                            <a:srgbClr val="006FE0"/>
+                          </a:solidFill>
+                          <a:effectLst/>
+                          <a:latin typeface="inherit"/>
+                        </a:rPr>
+                        <a:t> </a:t>
+                      </a:r>
+                      <a:r>
+                        <a:rPr lang="en-US" dirty="0">
+                          <a:solidFill>
+                            <a:srgbClr val="DADADA"/>
+                          </a:solidFill>
+                          <a:effectLst/>
+                          <a:latin typeface="inherit"/>
+                        </a:rPr>
+                        <a:t>=</a:t>
+                      </a:r>
+                      <a:r>
+                        <a:rPr lang="en-US" dirty="0">
+                          <a:solidFill>
+                            <a:srgbClr val="006FE0"/>
+                          </a:solidFill>
+                          <a:effectLst/>
+                          <a:latin typeface="inherit"/>
+                        </a:rPr>
+                        <a:t> </a:t>
+                      </a:r>
+                      <a:r>
+                        <a:rPr lang="en-US" dirty="0">
+                          <a:solidFill>
+                            <a:srgbClr val="569CD6"/>
+                          </a:solidFill>
+                          <a:effectLst/>
+                          <a:latin typeface="inherit"/>
+                        </a:rPr>
+                        <a:t>list</a:t>
+                      </a:r>
+                      <a:r>
+                        <a:rPr lang="en-US" dirty="0">
+                          <a:solidFill>
+                            <a:srgbClr val="D8D8D8"/>
+                          </a:solidFill>
+                          <a:effectLst/>
+                          <a:latin typeface="inherit"/>
+                        </a:rPr>
+                        <a:t>(</a:t>
+                      </a:r>
+                      <a:r>
+                        <a:rPr lang="en-US" dirty="0">
+                          <a:solidFill>
+                            <a:srgbClr val="569CD6"/>
+                          </a:solidFill>
+                          <a:effectLst/>
+                          <a:latin typeface="inherit"/>
+                        </a:rPr>
+                        <a:t>map</a:t>
+                      </a:r>
+                      <a:r>
+                        <a:rPr lang="en-US" dirty="0">
+                          <a:solidFill>
+                            <a:srgbClr val="D8D8D8"/>
+                          </a:solidFill>
+                          <a:effectLst/>
+                          <a:latin typeface="inherit"/>
+                        </a:rPr>
+                        <a:t>(</a:t>
+                      </a:r>
+                      <a:r>
+                        <a:rPr lang="en-US" dirty="0">
+                          <a:solidFill>
+                            <a:srgbClr val="F4BB15"/>
+                          </a:solidFill>
+                          <a:effectLst/>
+                          <a:latin typeface="inherit"/>
+                        </a:rPr>
+                        <a:t>lambda</a:t>
+                      </a:r>
+                      <a:r>
+                        <a:rPr lang="en-US" dirty="0">
+                          <a:solidFill>
+                            <a:srgbClr val="006FE0"/>
+                          </a:solidFill>
+                          <a:effectLst/>
+                          <a:latin typeface="inherit"/>
+                        </a:rPr>
+                        <a:t> </a:t>
+                      </a:r>
+                      <a:r>
+                        <a:rPr lang="en-US" dirty="0">
+                          <a:solidFill>
+                            <a:srgbClr val="BDB76B"/>
+                          </a:solidFill>
+                          <a:effectLst/>
+                          <a:latin typeface="inherit"/>
+                        </a:rPr>
+                        <a:t>x</a:t>
+                      </a:r>
+                      <a:r>
+                        <a:rPr lang="en-US" dirty="0">
+                          <a:solidFill>
+                            <a:srgbClr val="DADADA"/>
+                          </a:solidFill>
+                          <a:effectLst/>
+                          <a:latin typeface="inherit"/>
+                        </a:rPr>
+                        <a:t>:</a:t>
+                      </a:r>
+                      <a:r>
+                        <a:rPr lang="en-US" dirty="0">
+                          <a:solidFill>
+                            <a:srgbClr val="006FE0"/>
+                          </a:solidFill>
+                          <a:effectLst/>
+                          <a:latin typeface="inherit"/>
+                        </a:rPr>
+                        <a:t> </a:t>
+                      </a:r>
+                      <a:r>
+                        <a:rPr lang="en-US" dirty="0">
+                          <a:solidFill>
+                            <a:srgbClr val="BDB76B"/>
+                          </a:solidFill>
+                          <a:effectLst/>
+                          <a:latin typeface="inherit"/>
+                        </a:rPr>
+                        <a:t>x</a:t>
+                      </a:r>
+                      <a:r>
+                        <a:rPr lang="en-US" dirty="0">
+                          <a:solidFill>
+                            <a:srgbClr val="006FE0"/>
+                          </a:solidFill>
+                          <a:effectLst/>
+                          <a:latin typeface="inherit"/>
+                        </a:rPr>
+                        <a:t> </a:t>
+                      </a:r>
+                      <a:r>
+                        <a:rPr lang="en-US" dirty="0">
+                          <a:solidFill>
+                            <a:srgbClr val="DADADA"/>
+                          </a:solidFill>
+                          <a:effectLst/>
+                          <a:latin typeface="inherit"/>
+                        </a:rPr>
+                        <a:t>*</a:t>
+                      </a:r>
+                      <a:r>
+                        <a:rPr lang="en-US" dirty="0">
+                          <a:solidFill>
+                            <a:srgbClr val="006FE0"/>
+                          </a:solidFill>
+                          <a:effectLst/>
+                          <a:latin typeface="inherit"/>
+                        </a:rPr>
+                        <a:t> </a:t>
+                      </a:r>
+                      <a:r>
+                        <a:rPr lang="en-US" dirty="0">
+                          <a:solidFill>
+                            <a:srgbClr val="E7A37A"/>
+                          </a:solidFill>
+                          <a:effectLst/>
+                          <a:latin typeface="inherit"/>
+                        </a:rPr>
+                        <a:t>2</a:t>
+                      </a:r>
+                      <a:r>
+                        <a:rPr lang="en-US" dirty="0">
+                          <a:solidFill>
+                            <a:srgbClr val="006FE0"/>
+                          </a:solidFill>
+                          <a:effectLst/>
+                          <a:latin typeface="inherit"/>
+                        </a:rPr>
+                        <a:t> </a:t>
+                      </a:r>
+                      <a:r>
+                        <a:rPr lang="en-US" dirty="0">
+                          <a:solidFill>
+                            <a:srgbClr val="D8D8D8"/>
+                          </a:solidFill>
+                          <a:effectLst/>
+                          <a:latin typeface="inherit"/>
+                        </a:rPr>
+                        <a:t>,</a:t>
+                      </a:r>
+                      <a:r>
+                        <a:rPr lang="en-US" dirty="0">
+                          <a:solidFill>
+                            <a:srgbClr val="006FE0"/>
+                          </a:solidFill>
+                          <a:effectLst/>
+                          <a:latin typeface="inherit"/>
+                        </a:rPr>
+                        <a:t> </a:t>
+                      </a:r>
+                      <a:r>
+                        <a:rPr lang="en-US" dirty="0" err="1">
+                          <a:solidFill>
+                            <a:srgbClr val="BDB76B"/>
+                          </a:solidFill>
+                          <a:effectLst/>
+                          <a:latin typeface="inherit"/>
+                        </a:rPr>
+                        <a:t>my_list</a:t>
+                      </a:r>
+                      <a:r>
+                        <a:rPr lang="en-US" dirty="0">
+                          <a:solidFill>
+                            <a:srgbClr val="D8D8D8"/>
+                          </a:solidFill>
+                          <a:effectLst/>
+                          <a:latin typeface="inherit"/>
+                        </a:rPr>
+                        <a:t>))</a:t>
+                      </a:r>
+                      <a:endParaRPr lang="en-US" dirty="0">
+                        <a:solidFill>
+                          <a:srgbClr val="FFFFFF"/>
+                        </a:solidFill>
+                        <a:effectLst/>
+                        <a:latin typeface="inherit"/>
+                      </a:endParaRPr>
+                    </a:p>
+                    <a:p>
+                      <a:pPr algn="l" fontAlgn="t"/>
+                      <a:r>
+                        <a:rPr lang="en-US" dirty="0">
+                          <a:solidFill>
+                            <a:srgbClr val="FFFFFF"/>
+                          </a:solidFill>
+                          <a:effectLst/>
+                          <a:latin typeface="inherit"/>
+                        </a:rPr>
+                        <a:t> </a:t>
+                      </a:r>
+                    </a:p>
+                    <a:p>
+                      <a:pPr algn="l" fontAlgn="t"/>
+                      <a:r>
+                        <a:rPr lang="en-US" dirty="0">
+                          <a:solidFill>
+                            <a:srgbClr val="569CD6"/>
+                          </a:solidFill>
+                          <a:effectLst/>
+                          <a:latin typeface="inherit"/>
+                        </a:rPr>
+                        <a:t>print</a:t>
+                      </a:r>
+                      <a:r>
+                        <a:rPr lang="en-US" dirty="0">
+                          <a:solidFill>
+                            <a:srgbClr val="D8D8D8"/>
+                          </a:solidFill>
+                          <a:effectLst/>
+                          <a:latin typeface="inherit"/>
+                        </a:rPr>
+                        <a:t>(</a:t>
+                      </a:r>
+                      <a:r>
+                        <a:rPr lang="en-US" dirty="0" err="1">
+                          <a:solidFill>
+                            <a:srgbClr val="BDB76B"/>
+                          </a:solidFill>
+                          <a:effectLst/>
+                          <a:latin typeface="inherit"/>
+                        </a:rPr>
+                        <a:t>new_list</a:t>
+                      </a:r>
+                      <a:r>
+                        <a:rPr lang="en-US" dirty="0">
+                          <a:solidFill>
+                            <a:srgbClr val="D8D8D8"/>
+                          </a:solidFill>
+                          <a:effectLst/>
+                          <a:latin typeface="inherit"/>
+                        </a:rPr>
+                        <a:t>)</a:t>
+                      </a:r>
+                      <a:endParaRPr lang="en-US" dirty="0">
+                        <a:solidFill>
+                          <a:srgbClr val="FFFFFF"/>
+                        </a:solidFill>
+                        <a:effectLst/>
+                        <a:latin typeface="inherit"/>
+                      </a:endParaRPr>
+                    </a:p>
+                  </a:txBody>
+                  <a:tcPr>
+                    <a:lnL w="7620" cap="flat" cmpd="sng" algn="ctr">
+                      <a:solidFill>
+                        <a:srgbClr val="8C8D8F"/>
+                      </a:solidFill>
+                      <a:prstDash val="solid"/>
+                      <a:round/>
+                      <a:headEnd type="none" w="med" len="med"/>
+                      <a:tailEnd type="none" w="med" len="med"/>
+                    </a:lnL>
+                    <a:lnR>
+                      <a:noFill/>
+                    </a:lnR>
+                    <a:lnT>
+                      <a:noFill/>
+                    </a:lnT>
+                    <a:lnB>
+                      <a:noFill/>
+                    </a:lnB>
+                    <a:solidFill>
+                      <a:srgbClr val="323232"/>
+                    </a:solidFill>
+                  </a:tcPr>
+                </a:tc>
+                <a:extLst>
+                  <a:ext uri="{0D108BD9-81ED-4DB2-BD59-A6C34878D82A}">
+                    <a16:rowId xmlns:a16="http://schemas.microsoft.com/office/drawing/2014/main" val="1501692360"/>
+                  </a:ext>
+                </a:extLst>
+              </a:tr>
+            </a:tbl>
+          </a:graphicData>
+        </a:graphic>
+      </p:graphicFrame>
+      <p:sp>
+        <p:nvSpPr>
+          <p:cNvPr id="10" name="TextBox 9">
+            <a:extLst>
+              <a:ext uri="{FF2B5EF4-FFF2-40B4-BE49-F238E27FC236}">
+                <a16:creationId xmlns:a16="http://schemas.microsoft.com/office/drawing/2014/main" id="{F75048A2-C7BD-4BA4-1469-26247F840A92}"/>
+              </a:ext>
+            </a:extLst>
+          </p:cNvPr>
+          <p:cNvSpPr txBox="1"/>
+          <p:nvPr/>
+        </p:nvSpPr>
+        <p:spPr>
+          <a:xfrm>
+            <a:off x="471949" y="5216915"/>
+            <a:ext cx="6096000" cy="923330"/>
+          </a:xfrm>
+          <a:prstGeom prst="rect">
+            <a:avLst/>
+          </a:prstGeom>
+          <a:noFill/>
+        </p:spPr>
+        <p:txBody>
+          <a:bodyPr wrap="square">
+            <a:spAutoFit/>
+          </a:bodyPr>
+          <a:lstStyle/>
+          <a:p>
+            <a:pPr algn="l"/>
+            <a:r>
+              <a:rPr lang="ru-RU" b="0" i="0" dirty="0">
+                <a:solidFill>
+                  <a:srgbClr val="252525"/>
+                </a:solidFill>
+                <a:effectLst/>
+                <a:latin typeface="Roboto" panose="02000000000000000000" pitchFamily="2" charset="0"/>
+              </a:rPr>
+              <a:t>Результат: [2, 10, 8, 12, 16, 22, 6, 24]</a:t>
+            </a:r>
+          </a:p>
+          <a:p>
+            <a:br>
+              <a:rPr lang="ru-RU" dirty="0"/>
+            </a:br>
+            <a:endParaRPr lang="uk-UA" dirty="0"/>
+          </a:p>
+        </p:txBody>
+      </p:sp>
+      <p:sp>
+        <p:nvSpPr>
+          <p:cNvPr id="12" name="TextBox 11">
+            <a:extLst>
+              <a:ext uri="{FF2B5EF4-FFF2-40B4-BE49-F238E27FC236}">
+                <a16:creationId xmlns:a16="http://schemas.microsoft.com/office/drawing/2014/main" id="{F2C2A8CB-D763-F9EB-BF14-33633517E60C}"/>
+              </a:ext>
+            </a:extLst>
+          </p:cNvPr>
+          <p:cNvSpPr txBox="1"/>
+          <p:nvPr/>
+        </p:nvSpPr>
+        <p:spPr>
+          <a:xfrm>
+            <a:off x="471949" y="5811569"/>
+            <a:ext cx="6096000" cy="1200329"/>
+          </a:xfrm>
+          <a:prstGeom prst="rect">
+            <a:avLst/>
+          </a:prstGeom>
+          <a:noFill/>
+        </p:spPr>
+        <p:txBody>
+          <a:bodyPr wrap="square">
+            <a:spAutoFit/>
+          </a:bodyPr>
+          <a:lstStyle/>
+          <a:p>
+            <a:pPr algn="l"/>
+            <a:r>
+              <a:rPr lang="ru-RU" b="0" i="0" dirty="0">
+                <a:solidFill>
+                  <a:srgbClr val="000000"/>
+                </a:solidFill>
+                <a:effectLst/>
+                <a:latin typeface="Open Sans" panose="020B0606030504020204" pitchFamily="34" charset="0"/>
+              </a:rPr>
+              <a:t>Тут </a:t>
+            </a:r>
+            <a:r>
+              <a:rPr lang="ru-RU" b="0" i="0" dirty="0" err="1">
+                <a:solidFill>
+                  <a:srgbClr val="000000"/>
+                </a:solidFill>
+                <a:effectLst/>
+                <a:latin typeface="Open Sans" panose="020B0606030504020204" pitchFamily="34" charset="0"/>
+              </a:rPr>
+              <a:t>функція</a:t>
+            </a:r>
+            <a:r>
+              <a:rPr lang="ru-RU" b="0" i="0" dirty="0">
+                <a:solidFill>
+                  <a:srgbClr val="000000"/>
+                </a:solidFill>
+                <a:effectLst/>
+                <a:latin typeface="Open Sans" panose="020B0606030504020204" pitchFamily="34" charset="0"/>
+              </a:rPr>
+              <a:t> </a:t>
+            </a:r>
+            <a:r>
+              <a:rPr lang="ru-RU" b="0" i="0" dirty="0" err="1">
+                <a:solidFill>
+                  <a:srgbClr val="000000"/>
+                </a:solidFill>
+                <a:effectLst/>
+                <a:latin typeface="Open Sans" panose="020B0606030504020204" pitchFamily="34" charset="0"/>
+              </a:rPr>
+              <a:t>map</a:t>
+            </a:r>
+            <a:r>
+              <a:rPr lang="ru-RU" b="0" i="0" dirty="0">
+                <a:solidFill>
+                  <a:srgbClr val="000000"/>
+                </a:solidFill>
+                <a:effectLst/>
+                <a:latin typeface="Open Sans" panose="020B0606030504020204" pitchFamily="34" charset="0"/>
+              </a:rPr>
+              <a:t>() </a:t>
+            </a:r>
+            <a:r>
+              <a:rPr lang="ru-RU" b="0" i="0" dirty="0" err="1">
+                <a:solidFill>
+                  <a:srgbClr val="000000"/>
+                </a:solidFill>
+                <a:effectLst/>
+                <a:latin typeface="Open Sans" panose="020B0606030504020204" pitchFamily="34" charset="0"/>
+              </a:rPr>
+              <a:t>подвоює</a:t>
+            </a:r>
+            <a:r>
+              <a:rPr lang="ru-RU" b="0" i="0" dirty="0">
+                <a:solidFill>
+                  <a:srgbClr val="000000"/>
+                </a:solidFill>
+                <a:effectLst/>
+                <a:latin typeface="Open Sans" panose="020B0606030504020204" pitchFamily="34" charset="0"/>
+              </a:rPr>
+              <a:t> </a:t>
+            </a:r>
+            <a:r>
+              <a:rPr lang="ru-RU" b="0" i="0" dirty="0" err="1">
+                <a:solidFill>
+                  <a:srgbClr val="000000"/>
+                </a:solidFill>
+                <a:effectLst/>
+                <a:latin typeface="Open Sans" panose="020B0606030504020204" pitchFamily="34" charset="0"/>
+              </a:rPr>
+              <a:t>значення</a:t>
+            </a:r>
+            <a:r>
+              <a:rPr lang="ru-RU" b="0" i="0" dirty="0">
+                <a:solidFill>
+                  <a:srgbClr val="000000"/>
+                </a:solidFill>
+                <a:effectLst/>
+                <a:latin typeface="Open Sans" panose="020B0606030504020204" pitchFamily="34" charset="0"/>
+              </a:rPr>
+              <a:t> </a:t>
+            </a:r>
+            <a:r>
+              <a:rPr lang="ru-RU" b="0" i="0" dirty="0" err="1">
+                <a:solidFill>
+                  <a:srgbClr val="000000"/>
+                </a:solidFill>
+                <a:effectLst/>
+                <a:latin typeface="Open Sans" panose="020B0606030504020204" pitchFamily="34" charset="0"/>
+              </a:rPr>
+              <a:t>елементів</a:t>
+            </a:r>
+            <a:r>
+              <a:rPr lang="ru-RU" b="0" i="0" dirty="0">
+                <a:solidFill>
+                  <a:srgbClr val="000000"/>
+                </a:solidFill>
+                <a:effectLst/>
+                <a:latin typeface="Open Sans" panose="020B0606030504020204" pitchFamily="34" charset="0"/>
+              </a:rPr>
+              <a:t> списку.</a:t>
+            </a:r>
+          </a:p>
+          <a:p>
+            <a:br>
+              <a:rPr lang="ru-RU" b="0" i="0" dirty="0">
+                <a:solidFill>
+                  <a:srgbClr val="000000"/>
+                </a:solidFill>
+                <a:effectLst/>
+                <a:latin typeface="Open Sans" panose="020B0606030504020204" pitchFamily="34" charset="0"/>
+              </a:rPr>
+            </a:br>
+            <a:endParaRPr lang="uk-UA" dirty="0"/>
+          </a:p>
+        </p:txBody>
+      </p:sp>
+    </p:spTree>
+    <p:extLst>
+      <p:ext uri="{BB962C8B-B14F-4D97-AF65-F5344CB8AC3E}">
+        <p14:creationId xmlns:p14="http://schemas.microsoft.com/office/powerpoint/2010/main" val="2262110257"/>
+      </p:ext>
+    </p:extLst>
   </p:cSld>
   <p:clrMapOvr>
     <a:masterClrMapping/>
